--- a/English/2.Preparing data/3. Merge vs Append.pptx
+++ b/English/2.Preparing data/3. Merge vs Append.pptx
@@ -5,7 +5,7 @@
     <p:sldMasterId id="2147483648" r:id="rId1"/>
   </p:sldMasterIdLst>
   <p:notesMasterIdLst>
-    <p:notesMasterId r:id="rId8"/>
+    <p:notesMasterId r:id="rId9"/>
   </p:notesMasterIdLst>
   <p:sldIdLst>
     <p:sldId id="256" r:id="rId2"/>
@@ -13,13 +13,14 @@
     <p:sldId id="259" r:id="rId4"/>
     <p:sldId id="260" r:id="rId5"/>
     <p:sldId id="261" r:id="rId6"/>
-    <p:sldId id="258" r:id="rId7"/>
+    <p:sldId id="262" r:id="rId7"/>
+    <p:sldId id="258" r:id="rId8"/>
   </p:sldIdLst>
   <p:sldSz cx="12192000" cy="6858000"/>
   <p:notesSz cx="6858000" cy="9144000"/>
   <p:defaultTextStyle>
     <a:defPPr>
-      <a:defRPr lang="en-US"/>
+      <a:defRPr lang="en"/>
     </a:defPPr>
     <a:lvl1pPr marL="0" algn="l" defTabSz="914400" rtl="0" eaLnBrk="1" latinLnBrk="0" hangingPunct="1">
       <a:defRPr sz="1800" kern="1200">
@@ -202,7 +203,7 @@
           <a:p>
             <a:fld id="{056BA3B8-9F76-4D81-B71D-76CB85363062}" type="datetimeFigureOut">
               <a:rPr lang="en-US" smtClean="0"/>
-              <a:t>1/1/2025</a:t>
+              <a:t>3/10/2025</a:t>
             </a:fld>
             <a:endParaRPr lang="en-US"/>
           </a:p>
@@ -685,7 +686,7 @@
           <a:p>
             <a:fld id="{6F01DA4D-20EA-48D2-973C-0311EC3005D6}" type="datetimeFigureOut">
               <a:rPr lang="en-US" smtClean="0"/>
-              <a:t>1/1/2025</a:t>
+              <a:t>3/10/2025</a:t>
             </a:fld>
             <a:endParaRPr lang="en-US"/>
           </a:p>
@@ -855,7 +856,7 @@
           <a:p>
             <a:fld id="{6F01DA4D-20EA-48D2-973C-0311EC3005D6}" type="datetimeFigureOut">
               <a:rPr lang="en-US" smtClean="0"/>
-              <a:t>1/1/2025</a:t>
+              <a:t>3/10/2025</a:t>
             </a:fld>
             <a:endParaRPr lang="en-US"/>
           </a:p>
@@ -1035,7 +1036,7 @@
           <a:p>
             <a:fld id="{6F01DA4D-20EA-48D2-973C-0311EC3005D6}" type="datetimeFigureOut">
               <a:rPr lang="en-US" smtClean="0"/>
-              <a:t>1/1/2025</a:t>
+              <a:t>3/10/2025</a:t>
             </a:fld>
             <a:endParaRPr lang="en-US"/>
           </a:p>
@@ -1205,7 +1206,7 @@
           <a:p>
             <a:fld id="{6F01DA4D-20EA-48D2-973C-0311EC3005D6}" type="datetimeFigureOut">
               <a:rPr lang="en-US" smtClean="0"/>
-              <a:t>1/1/2025</a:t>
+              <a:t>3/10/2025</a:t>
             </a:fld>
             <a:endParaRPr lang="en-US"/>
           </a:p>
@@ -1451,7 +1452,7 @@
           <a:p>
             <a:fld id="{6F01DA4D-20EA-48D2-973C-0311EC3005D6}" type="datetimeFigureOut">
               <a:rPr lang="en-US" smtClean="0"/>
-              <a:t>1/1/2025</a:t>
+              <a:t>3/10/2025</a:t>
             </a:fld>
             <a:endParaRPr lang="en-US"/>
           </a:p>
@@ -1683,7 +1684,7 @@
           <a:p>
             <a:fld id="{6F01DA4D-20EA-48D2-973C-0311EC3005D6}" type="datetimeFigureOut">
               <a:rPr lang="en-US" smtClean="0"/>
-              <a:t>1/1/2025</a:t>
+              <a:t>3/10/2025</a:t>
             </a:fld>
             <a:endParaRPr lang="en-US"/>
           </a:p>
@@ -2050,7 +2051,7 @@
           <a:p>
             <a:fld id="{6F01DA4D-20EA-48D2-973C-0311EC3005D6}" type="datetimeFigureOut">
               <a:rPr lang="en-US" smtClean="0"/>
-              <a:t>1/1/2025</a:t>
+              <a:t>3/10/2025</a:t>
             </a:fld>
             <a:endParaRPr lang="en-US"/>
           </a:p>
@@ -2168,7 +2169,7 @@
           <a:p>
             <a:fld id="{6F01DA4D-20EA-48D2-973C-0311EC3005D6}" type="datetimeFigureOut">
               <a:rPr lang="en-US" smtClean="0"/>
-              <a:t>1/1/2025</a:t>
+              <a:t>3/10/2025</a:t>
             </a:fld>
             <a:endParaRPr lang="en-US"/>
           </a:p>
@@ -2263,7 +2264,7 @@
           <a:p>
             <a:fld id="{6F01DA4D-20EA-48D2-973C-0311EC3005D6}" type="datetimeFigureOut">
               <a:rPr lang="en-US" smtClean="0"/>
-              <a:t>1/1/2025</a:t>
+              <a:t>3/10/2025</a:t>
             </a:fld>
             <a:endParaRPr lang="en-US"/>
           </a:p>
@@ -2540,7 +2541,7 @@
           <a:p>
             <a:fld id="{6F01DA4D-20EA-48D2-973C-0311EC3005D6}" type="datetimeFigureOut">
               <a:rPr lang="en-US" smtClean="0"/>
-              <a:t>1/1/2025</a:t>
+              <a:t>3/10/2025</a:t>
             </a:fld>
             <a:endParaRPr lang="en-US"/>
           </a:p>
@@ -2793,7 +2794,7 @@
           <a:p>
             <a:fld id="{6F01DA4D-20EA-48D2-973C-0311EC3005D6}" type="datetimeFigureOut">
               <a:rPr lang="en-US" smtClean="0"/>
-              <a:t>1/1/2025</a:t>
+              <a:t>3/10/2025</a:t>
             </a:fld>
             <a:endParaRPr lang="en-US"/>
           </a:p>
@@ -3006,7 +3007,7 @@
           <a:p>
             <a:fld id="{6F01DA4D-20EA-48D2-973C-0311EC3005D6}" type="datetimeFigureOut">
               <a:rPr lang="en-US" smtClean="0"/>
-              <a:t>1/1/2025</a:t>
+              <a:t>3/10/2025</a:t>
             </a:fld>
             <a:endParaRPr lang="en-US"/>
           </a:p>
@@ -3441,8 +3442,8 @@
           </a:bodyPr>
           <a:lstStyle/>
           <a:p>
-            <a:r>
-              <a:rPr lang="en-US" sz="8000" b="1" dirty="0" smtClean="0">
+            <a:r xmlns:a="http://schemas.openxmlformats.org/drawingml/2006/main">
+              <a:rPr lang="en" sz="8000" b="1" dirty="0" smtClean="0">
                 <a:solidFill>
                   <a:srgbClr val="7030A0"/>
                 </a:solidFill>
@@ -3452,7 +3453,7 @@
               </a:rPr>
               <a:t>Merge vs Append</a:t>
             </a:r>
-            <a:endParaRPr lang="en-US" sz="8000" b="1" dirty="0">
+            <a:endParaRPr xmlns:a="http://schemas.openxmlformats.org/drawingml/2006/main" lang="en-US" sz="8000" b="1" dirty="0">
               <a:solidFill>
                 <a:srgbClr val="7030A0"/>
               </a:solidFill>
@@ -3485,8 +3486,8 @@
           </a:bodyPr>
           <a:lstStyle/>
           <a:p>
-            <a:r>
-              <a:rPr lang="en-US" sz="8000" b="1" dirty="0" smtClean="0">
+            <a:r xmlns:a="http://schemas.openxmlformats.org/drawingml/2006/main">
+              <a:rPr lang="en" sz="8000" b="1" dirty="0" smtClean="0">
                 <a:solidFill>
                   <a:schemeClr val="bg1"/>
                 </a:solidFill>
@@ -3496,7 +3497,7 @@
               </a:rPr>
               <a:t>Merge vs Append</a:t>
             </a:r>
-            <a:endParaRPr lang="en-US" sz="8000" b="1" dirty="0">
+            <a:endParaRPr xmlns:a="http://schemas.openxmlformats.org/drawingml/2006/main" lang="en-US" sz="8000" b="1" dirty="0">
               <a:solidFill>
                 <a:schemeClr val="bg1"/>
               </a:solidFill>
@@ -3539,271 +3540,34 @@
       </p:grpSpPr>
       <p:sp>
         <p:nvSpPr>
-          <p:cNvPr id="2" name="Rectangle 1"/>
+          <p:cNvPr id="3" name="Rectangle 2"/>
           <p:cNvSpPr/>
           <p:nvPr/>
         </p:nvSpPr>
         <p:spPr>
           <a:xfrm>
-            <a:off x="222297" y="751979"/>
-            <a:ext cx="11637402" cy="388696"/>
+            <a:off x="222297" y="233001"/>
+            <a:ext cx="2098651" cy="369332"/>
           </a:xfrm>
           <a:prstGeom prst="rect">
             <a:avLst/>
           </a:prstGeom>
         </p:spPr>
         <p:txBody>
-          <a:bodyPr wrap="square">
-            <a:spAutoFit/>
-          </a:bodyPr>
-          <a:lstStyle/>
-          <a:p>
-            <a:pPr>
-              <a:lnSpc>
-                <a:spcPct val="107000"/>
-              </a:lnSpc>
-              <a:spcBef>
-                <a:spcPts val="1200"/>
-              </a:spcBef>
-              <a:spcAft>
-                <a:spcPts val="0"/>
-              </a:spcAft>
-            </a:pPr>
-            <a:r>
-              <a:rPr lang="en-US" b="1" kern="0" dirty="0" smtClean="0">
-                <a:latin typeface="Segoe UI" panose="020B0502040204020203" pitchFamily="34" charset="0"/>
-                <a:ea typeface="Times New Roman" panose="02020603050405020304" pitchFamily="18" charset="0"/>
-                <a:cs typeface="Times New Roman" panose="02020603050405020304" pitchFamily="18" charset="0"/>
-              </a:rPr>
-              <a:t>Note: </a:t>
-            </a:r>
-            <a:r>
-              <a:rPr lang="en-US" kern="0" dirty="0" smtClean="0">
-                <a:latin typeface="Segoe UI" panose="020B0502040204020203" pitchFamily="34" charset="0"/>
-                <a:ea typeface="Times New Roman" panose="02020603050405020304" pitchFamily="18" charset="0"/>
-                <a:cs typeface="Times New Roman" panose="02020603050405020304" pitchFamily="18" charset="0"/>
-              </a:rPr>
-              <a:t>This Lab uses</a:t>
-            </a:r>
-            <a:r>
-              <a:rPr lang="en-US" b="1" kern="0" dirty="0" smtClean="0">
-                <a:latin typeface="Segoe UI" panose="020B0502040204020203" pitchFamily="34" charset="0"/>
-                <a:ea typeface="Times New Roman" panose="02020603050405020304" pitchFamily="18" charset="0"/>
-                <a:cs typeface="Times New Roman" panose="02020603050405020304" pitchFamily="18" charset="0"/>
-              </a:rPr>
-              <a:t> </a:t>
-            </a:r>
-            <a:r>
-              <a:rPr lang="en-US" kern="0" dirty="0" smtClean="0">
-                <a:latin typeface="Segoe UI" panose="020B0502040204020203" pitchFamily="34" charset="0"/>
-                <a:ea typeface="Times New Roman" panose="02020603050405020304" pitchFamily="18" charset="0"/>
-                <a:cs typeface="Times New Roman" panose="02020603050405020304" pitchFamily="18" charset="0"/>
-              </a:rPr>
-              <a:t>the file </a:t>
-            </a:r>
-            <a:r>
-              <a:rPr lang="en-US" b="1" kern="0" dirty="0" smtClean="0">
-                <a:latin typeface="Segoe UI" panose="020B0502040204020203" pitchFamily="34" charset="0"/>
-                <a:ea typeface="Times New Roman" panose="02020603050405020304" pitchFamily="18" charset="0"/>
-                <a:cs typeface="Times New Roman" panose="02020603050405020304" pitchFamily="18" charset="0"/>
-              </a:rPr>
-              <a:t>File1/2/3.txt </a:t>
-            </a:r>
-            <a:r>
-              <a:rPr lang="en-US" kern="0" dirty="0" smtClean="0">
-                <a:latin typeface="Segoe UI" panose="020B0502040204020203" pitchFamily="34" charset="0"/>
-                <a:ea typeface="Times New Roman" panose="02020603050405020304" pitchFamily="18" charset="0"/>
-                <a:cs typeface="Times New Roman" panose="02020603050405020304" pitchFamily="18" charset="0"/>
-              </a:rPr>
-              <a:t>which are located in the </a:t>
-            </a:r>
-            <a:r>
-              <a:rPr lang="en-US" kern="0" dirty="0">
-                <a:latin typeface="Segoe UI" panose="020B0502040204020203" pitchFamily="34" charset="0"/>
-                <a:ea typeface="Times New Roman" panose="02020603050405020304" pitchFamily="18" charset="0"/>
-                <a:cs typeface="Times New Roman" panose="02020603050405020304" pitchFamily="18" charset="0"/>
-              </a:rPr>
-              <a:t>resources </a:t>
-            </a:r>
-            <a:r>
-              <a:rPr lang="en-US" b="1" kern="0" dirty="0">
-                <a:latin typeface="Segoe UI" panose="020B0502040204020203" pitchFamily="34" charset="0"/>
-                <a:ea typeface="Times New Roman" panose="02020603050405020304" pitchFamily="18" charset="0"/>
-                <a:cs typeface="Times New Roman" panose="02020603050405020304" pitchFamily="18" charset="0"/>
-              </a:rPr>
-              <a:t>Multiple </a:t>
-            </a:r>
-            <a:r>
-              <a:rPr lang="en-US" b="1" kern="0" dirty="0" smtClean="0">
-                <a:latin typeface="Segoe UI" panose="020B0502040204020203" pitchFamily="34" charset="0"/>
-                <a:ea typeface="Times New Roman" panose="02020603050405020304" pitchFamily="18" charset="0"/>
-                <a:cs typeface="Times New Roman" panose="02020603050405020304" pitchFamily="18" charset="0"/>
-              </a:rPr>
-              <a:t>Files\Files</a:t>
-            </a:r>
-            <a:endParaRPr lang="en-US" sz="2800" b="1" kern="0" dirty="0">
-              <a:effectLst/>
-              <a:latin typeface="Segoe UI" panose="020B0502040204020203" pitchFamily="34" charset="0"/>
-              <a:ea typeface="Times New Roman" panose="02020603050405020304" pitchFamily="18" charset="0"/>
-              <a:cs typeface="Times New Roman" panose="02020603050405020304" pitchFamily="18" charset="0"/>
-            </a:endParaRPr>
-          </a:p>
-        </p:txBody>
-      </p:sp>
-      <p:sp>
-        <p:nvSpPr>
-          <p:cNvPr id="3" name="Rectangle 2"/>
-          <p:cNvSpPr/>
-          <p:nvPr/>
-        </p:nvSpPr>
-        <p:spPr>
-          <a:xfrm>
-            <a:off x="222297" y="233001"/>
-            <a:ext cx="2098651" cy="369332"/>
-          </a:xfrm>
-          <a:prstGeom prst="rect">
-            <a:avLst/>
-          </a:prstGeom>
-        </p:spPr>
-        <p:txBody>
           <a:bodyPr wrap="none">
             <a:spAutoFit/>
           </a:bodyPr>
           <a:lstStyle/>
           <a:p>
-            <a:r>
-              <a:rPr lang="en-US" b="1" kern="0" dirty="0" smtClean="0">
+            <a:r xmlns:a="http://schemas.openxmlformats.org/drawingml/2006/main">
+              <a:rPr lang="en" b="1" kern="0" dirty="0" smtClean="0">
                 <a:latin typeface="Segoe UI" panose="020B0502040204020203" pitchFamily="34" charset="0"/>
                 <a:ea typeface="Times New Roman" panose="02020603050405020304" pitchFamily="18" charset="0"/>
                 <a:cs typeface="Times New Roman" panose="02020603050405020304" pitchFamily="18" charset="0"/>
               </a:rPr>
               <a:t>Merge vs Append</a:t>
             </a:r>
-            <a:endParaRPr lang="en-US" dirty="0"/>
-          </a:p>
-        </p:txBody>
-      </p:sp>
-      <p:sp>
-        <p:nvSpPr>
-          <p:cNvPr id="4" name="Rectangle 3"/>
-          <p:cNvSpPr/>
-          <p:nvPr/>
-        </p:nvSpPr>
-        <p:spPr>
-          <a:xfrm>
-            <a:off x="222297" y="1290321"/>
-            <a:ext cx="7182280" cy="373692"/>
-          </a:xfrm>
-          <a:prstGeom prst="rect">
-            <a:avLst/>
-          </a:prstGeom>
-        </p:spPr>
-        <p:txBody>
-          <a:bodyPr wrap="square">
-            <a:spAutoFit/>
-          </a:bodyPr>
-          <a:lstStyle/>
-          <a:p>
-            <a:pPr lvl="0">
-              <a:lnSpc>
-                <a:spcPct val="107000"/>
-              </a:lnSpc>
-              <a:spcAft>
-                <a:spcPts val="800"/>
-              </a:spcAft>
-            </a:pPr>
-            <a:r>
-              <a:rPr lang="en-US" dirty="0" smtClean="0">
-                <a:latin typeface="Segoe UI" panose="020B0502040204020203" pitchFamily="34" charset="0"/>
-                <a:ea typeface="Calibri" panose="020F0502020204030204" pitchFamily="34" charset="0"/>
-                <a:cs typeface="Times New Roman" panose="02020603050405020304" pitchFamily="18" charset="0"/>
-              </a:rPr>
-              <a:t>Search the two files </a:t>
-            </a:r>
-            <a:r>
-              <a:rPr lang="en-US" b="1" dirty="0" smtClean="0">
-                <a:latin typeface="Segoe UI" panose="020B0502040204020203" pitchFamily="34" charset="0"/>
-                <a:ea typeface="Calibri" panose="020F0502020204030204" pitchFamily="34" charset="0"/>
-                <a:cs typeface="Times New Roman" panose="02020603050405020304" pitchFamily="18" charset="0"/>
-              </a:rPr>
-              <a:t>File1.txt </a:t>
-            </a:r>
-            <a:r>
-              <a:rPr lang="en-US" dirty="0" smtClean="0">
-                <a:latin typeface="Segoe UI" panose="020B0502040204020203" pitchFamily="34" charset="0"/>
-                <a:ea typeface="Calibri" panose="020F0502020204030204" pitchFamily="34" charset="0"/>
-                <a:cs typeface="Times New Roman" panose="02020603050405020304" pitchFamily="18" charset="0"/>
-              </a:rPr>
-              <a:t>and </a:t>
-            </a:r>
-            <a:r>
-              <a:rPr lang="en-US" b="1" dirty="0" smtClean="0">
-                <a:latin typeface="Segoe UI" panose="020B0502040204020203" pitchFamily="34" charset="0"/>
-                <a:ea typeface="Calibri" panose="020F0502020204030204" pitchFamily="34" charset="0"/>
-                <a:cs typeface="Times New Roman" panose="02020603050405020304" pitchFamily="18" charset="0"/>
-              </a:rPr>
-              <a:t>File2.txt </a:t>
-            </a:r>
-            <a:r>
-              <a:rPr lang="en-US" dirty="0" smtClean="0">
-                <a:latin typeface="Segoe UI" panose="020B0502040204020203" pitchFamily="34" charset="0"/>
-                <a:ea typeface="Calibri" panose="020F0502020204030204" pitchFamily="34" charset="0"/>
-                <a:cs typeface="Times New Roman" panose="02020603050405020304" pitchFamily="18" charset="0"/>
-              </a:rPr>
-              <a:t>in the query editor</a:t>
-            </a:r>
-            <a:endParaRPr lang="en-US" sz="1400" dirty="0">
-              <a:effectLst/>
-              <a:latin typeface="Calibri" panose="020F0502020204030204" pitchFamily="34" charset="0"/>
-              <a:ea typeface="Calibri" panose="020F0502020204030204" pitchFamily="34" charset="0"/>
-              <a:cs typeface="Times New Roman" panose="02020603050405020304" pitchFamily="18" charset="0"/>
-            </a:endParaRPr>
-          </a:p>
-        </p:txBody>
-      </p:sp>
-      <p:sp>
-        <p:nvSpPr>
-          <p:cNvPr id="5" name="Rectangle 4"/>
-          <p:cNvSpPr/>
-          <p:nvPr/>
-        </p:nvSpPr>
-        <p:spPr>
-          <a:xfrm>
-            <a:off x="222297" y="1813659"/>
-            <a:ext cx="4997330" cy="373692"/>
-          </a:xfrm>
-          <a:prstGeom prst="rect">
-            <a:avLst/>
-          </a:prstGeom>
-        </p:spPr>
-        <p:txBody>
-          <a:bodyPr wrap="none">
-            <a:spAutoFit/>
-          </a:bodyPr>
-          <a:lstStyle/>
-          <a:p>
-            <a:pPr lvl="0">
-              <a:lnSpc>
-                <a:spcPct val="107000"/>
-              </a:lnSpc>
-              <a:spcAft>
-                <a:spcPts val="800"/>
-              </a:spcAft>
-            </a:pPr>
-            <a:r>
-              <a:rPr lang="en-US" dirty="0" smtClean="0">
-                <a:latin typeface="Segoe UI" panose="020B0502040204020203" pitchFamily="34" charset="0"/>
-                <a:ea typeface="Calibri" panose="020F0502020204030204" pitchFamily="34" charset="0"/>
-                <a:cs typeface="Times New Roman" panose="02020603050405020304" pitchFamily="18" charset="0"/>
-              </a:rPr>
-              <a:t>Check if both files have the same data structure</a:t>
-            </a:r>
-            <a:endParaRPr lang="en-US" sz="1400" dirty="0">
-              <a:effectLst/>
-              <a:latin typeface="Calibri" panose="020F0502020204030204" pitchFamily="34" charset="0"/>
-              <a:ea typeface="Calibri" panose="020F0502020204030204" pitchFamily="34" charset="0"/>
-              <a:cs typeface="Times New Roman" panose="02020603050405020304" pitchFamily="18" charset="0"/>
-            </a:endParaRPr>
+            <a:endParaRPr xmlns:a="http://schemas.openxmlformats.org/drawingml/2006/main" lang="en-US" dirty="0"/>
           </a:p>
         </p:txBody>
       </p:sp>
@@ -3828,7 +3592,7 @@
         </p:blipFill>
         <p:spPr bwMode="auto">
           <a:xfrm>
-            <a:off x="290448" y="2973670"/>
+            <a:off x="3288029" y="3063011"/>
             <a:ext cx="4563434" cy="1715207"/>
           </a:xfrm>
           <a:prstGeom prst="rect">
@@ -3848,14 +3612,14 @@
       </p:pic>
       <p:sp>
         <p:nvSpPr>
-          <p:cNvPr id="7" name="Rectangle 6"/>
+          <p:cNvPr id="8" name="Rectangle 7"/>
           <p:cNvSpPr/>
           <p:nvPr/>
         </p:nvSpPr>
         <p:spPr>
           <a:xfrm>
-            <a:off x="222297" y="2276655"/>
-            <a:ext cx="6096000" cy="373692"/>
+            <a:off x="222297" y="660835"/>
+            <a:ext cx="11749124" cy="400110"/>
           </a:xfrm>
           <a:prstGeom prst="rect">
             <a:avLst/>
@@ -3867,28 +3631,134 @@
           </a:bodyPr>
           <a:lstStyle/>
           <a:p>
-            <a:pPr lvl="0">
-              <a:lnSpc>
-                <a:spcPct val="107000"/>
-              </a:lnSpc>
-              <a:spcAft>
-                <a:spcPts val="800"/>
-              </a:spcAft>
-            </a:pPr>
-            <a:r>
-              <a:rPr lang="en-US" dirty="0" smtClean="0">
-                <a:latin typeface="Segoe UI" panose="020B0502040204020203" pitchFamily="34" charset="0"/>
-                <a:ea typeface="Calibri" panose="020F0502020204030204" pitchFamily="34" charset="0"/>
-                <a:cs typeface="Times New Roman" panose="02020603050405020304" pitchFamily="18" charset="0"/>
-              </a:rPr>
-              <a:t>Note that there is a line in common between the two files</a:t>
-            </a:r>
-            <a:endParaRPr lang="en-US" sz="1400" dirty="0">
-              <a:effectLst/>
-              <a:latin typeface="Calibri" panose="020F0502020204030204" pitchFamily="34" charset="0"/>
-              <a:ea typeface="Calibri" panose="020F0502020204030204" pitchFamily="34" charset="0"/>
-              <a:cs typeface="Times New Roman" panose="02020603050405020304" pitchFamily="18" charset="0"/>
-            </a:endParaRPr>
+            <a:r xmlns:a="http://schemas.openxmlformats.org/drawingml/2006/main">
+              <a:rPr lang="en" sz="2000" dirty="0"/>
+              <a:t>Note: This lab uses the files </a:t>
+            </a:r>
+            <a:r xmlns:a="http://schemas.openxmlformats.org/drawingml/2006/main">
+              <a:rPr lang="en" sz="2000" b="1" dirty="0" smtClean="0"/>
+              <a:t>File1.txt </a:t>
+            </a:r>
+            <a:r xmlns:a="http://schemas.openxmlformats.org/drawingml/2006/main">
+              <a:rPr lang="en" sz="2000" dirty="0" smtClean="0"/>
+              <a:t>and </a:t>
+            </a:r>
+            <a:r xmlns:a="http://schemas.openxmlformats.org/drawingml/2006/main">
+              <a:rPr lang="en" sz="2000" b="1" dirty="0" smtClean="0"/>
+              <a:t>File2.txt</a:t>
+            </a:r>
+            <a:r xmlns:a="http://schemas.openxmlformats.org/drawingml/2006/main">
+              <a:rPr lang="en" sz="2000" dirty="0" smtClean="0"/>
+              <a:t> </a:t>
+            </a:r>
+            <a:r xmlns:a="http://schemas.openxmlformats.org/drawingml/2006/main">
+              <a:rPr lang="en" sz="2000" dirty="0"/>
+              <a:t>located in the </a:t>
+            </a:r>
+            <a:r xmlns:a="http://schemas.openxmlformats.org/drawingml/2006/main">
+              <a:rPr lang="en" sz="2000" b="1" dirty="0" err="1"/>
+              <a:t>resources </a:t>
+            </a:r>
+            <a:r xmlns:a="http://schemas.openxmlformats.org/drawingml/2006/main">
+              <a:rPr lang="en" sz="2000" b="1" dirty="0"/>
+              <a:t>\Multiple Files\Files folder</a:t>
+            </a:r>
+            <a:endParaRPr xmlns:a="http://schemas.openxmlformats.org/drawingml/2006/main" lang="en-US" sz="2000" b="1" dirty="0"/>
+          </a:p>
+        </p:txBody>
+      </p:sp>
+      <p:sp>
+        <p:nvSpPr>
+          <p:cNvPr id="9" name="Rectangle 8"/>
+          <p:cNvSpPr/>
+          <p:nvPr/>
+        </p:nvSpPr>
+        <p:spPr>
+          <a:xfrm>
+            <a:off x="222297" y="1203256"/>
+            <a:ext cx="8221035" cy="400110"/>
+          </a:xfrm>
+          <a:prstGeom prst="rect">
+            <a:avLst/>
+          </a:prstGeom>
+        </p:spPr>
+        <p:txBody>
+          <a:bodyPr wrap="square">
+            <a:spAutoFit/>
+          </a:bodyPr>
+          <a:lstStyle/>
+          <a:p>
+            <a:r xmlns:a="http://schemas.openxmlformats.org/drawingml/2006/main">
+              <a:rPr lang="en" sz="2000" dirty="0"/>
+              <a:t>Search for the files </a:t>
+            </a:r>
+            <a:r xmlns:a="http://schemas.openxmlformats.org/drawingml/2006/main">
+              <a:rPr lang="en" sz="2000" b="1" dirty="0"/>
+              <a:t>File1.txt and File2.txt </a:t>
+            </a:r>
+            <a:r xmlns:a="http://schemas.openxmlformats.org/drawingml/2006/main">
+              <a:rPr lang="en" sz="2000" dirty="0"/>
+              <a:t>in the query editor.</a:t>
+            </a:r>
+            <a:endParaRPr xmlns:a="http://schemas.openxmlformats.org/drawingml/2006/main" lang="en-US" sz="2000" dirty="0"/>
+          </a:p>
+        </p:txBody>
+      </p:sp>
+      <p:sp>
+        <p:nvSpPr>
+          <p:cNvPr id="10" name="Rectangle 9"/>
+          <p:cNvSpPr/>
+          <p:nvPr/>
+        </p:nvSpPr>
+        <p:spPr>
+          <a:xfrm>
+            <a:off x="241121" y="1751491"/>
+            <a:ext cx="6629315" cy="400110"/>
+          </a:xfrm>
+          <a:prstGeom prst="rect">
+            <a:avLst/>
+          </a:prstGeom>
+        </p:spPr>
+        <p:txBody>
+          <a:bodyPr wrap="none">
+            <a:spAutoFit/>
+          </a:bodyPr>
+          <a:lstStyle/>
+          <a:p>
+            <a:r xmlns:a="http://schemas.openxmlformats.org/drawingml/2006/main">
+              <a:rPr lang="en" sz="2000" dirty="0"/>
+              <a:t>Check if both files have the same data structure.</a:t>
+            </a:r>
+            <a:endParaRPr xmlns:a="http://schemas.openxmlformats.org/drawingml/2006/main" lang="en-US" sz="2000" dirty="0"/>
+          </a:p>
+        </p:txBody>
+      </p:sp>
+      <p:sp>
+        <p:nvSpPr>
+          <p:cNvPr id="11" name="Rectangle 10"/>
+          <p:cNvSpPr/>
+          <p:nvPr/>
+        </p:nvSpPr>
+        <p:spPr>
+          <a:xfrm>
+            <a:off x="241121" y="2289389"/>
+            <a:ext cx="8282912" cy="400110"/>
+          </a:xfrm>
+          <a:prstGeom prst="rect">
+            <a:avLst/>
+          </a:prstGeom>
+        </p:spPr>
+        <p:txBody>
+          <a:bodyPr wrap="square">
+            <a:spAutoFit/>
+          </a:bodyPr>
+          <a:lstStyle/>
+          <a:p>
+            <a:r xmlns:a="http://schemas.openxmlformats.org/drawingml/2006/main">
+              <a:rPr lang="en" sz="2000" dirty="0"/>
+              <a:t>Notice that there is one line in common between the two files.</a:t>
+            </a:r>
+            <a:endParaRPr xmlns:a="http://schemas.openxmlformats.org/drawingml/2006/main" lang="en-US" sz="2000" dirty="0"/>
           </a:p>
         </p:txBody>
       </p:sp>
@@ -3922,128 +3792,9 @@
           <a:chExt cx="0" cy="0"/>
         </a:xfrm>
       </p:grpSpPr>
-      <p:sp>
-        <p:nvSpPr>
-          <p:cNvPr id="3" name="Rectangle 2"/>
-          <p:cNvSpPr/>
-          <p:nvPr/>
-        </p:nvSpPr>
-        <p:spPr>
-          <a:xfrm>
-            <a:off x="222297" y="233001"/>
-            <a:ext cx="2098651" cy="369332"/>
-          </a:xfrm>
-          <a:prstGeom prst="rect">
-            <a:avLst/>
-          </a:prstGeom>
-        </p:spPr>
-        <p:txBody>
-          <a:bodyPr wrap="none">
-            <a:spAutoFit/>
-          </a:bodyPr>
-          <a:lstStyle/>
-          <a:p>
-            <a:r>
-              <a:rPr lang="en-US" b="1" kern="0" dirty="0" smtClean="0">
-                <a:latin typeface="Segoe UI" panose="020B0502040204020203" pitchFamily="34" charset="0"/>
-                <a:ea typeface="Times New Roman" panose="02020603050405020304" pitchFamily="18" charset="0"/>
-                <a:cs typeface="Times New Roman" panose="02020603050405020304" pitchFamily="18" charset="0"/>
-              </a:rPr>
-              <a:t>Merge vs Append</a:t>
-            </a:r>
-            <a:endParaRPr lang="en-US" dirty="0"/>
-          </a:p>
-        </p:txBody>
-      </p:sp>
-      <p:sp>
-        <p:nvSpPr>
-          <p:cNvPr id="8" name="Rectangle 7"/>
-          <p:cNvSpPr/>
-          <p:nvPr/>
-        </p:nvSpPr>
-        <p:spPr>
-          <a:xfrm>
-            <a:off x="222297" y="762657"/>
-            <a:ext cx="10619874" cy="373692"/>
-          </a:xfrm>
-          <a:prstGeom prst="rect">
-            <a:avLst/>
-          </a:prstGeom>
-        </p:spPr>
-        <p:txBody>
-          <a:bodyPr wrap="square">
-            <a:spAutoFit/>
-          </a:bodyPr>
-          <a:lstStyle/>
-          <a:p>
-            <a:pPr lvl="0">
-              <a:lnSpc>
-                <a:spcPct val="107000"/>
-              </a:lnSpc>
-              <a:spcAft>
-                <a:spcPts val="800"/>
-              </a:spcAft>
-            </a:pPr>
-            <a:r>
-              <a:rPr lang="en-US" dirty="0" smtClean="0">
-                <a:latin typeface="Segoe UI" panose="020B0502040204020203" pitchFamily="34" charset="0"/>
-                <a:ea typeface="Calibri" panose="020F0502020204030204" pitchFamily="34" charset="0"/>
-                <a:cs typeface="Times New Roman" panose="02020603050405020304" pitchFamily="18" charset="0"/>
-              </a:rPr>
-              <a:t>Select </a:t>
-            </a:r>
-            <a:r>
-              <a:rPr lang="en-US" b="1" dirty="0" smtClean="0">
-                <a:latin typeface="Segoe UI" panose="020B0502040204020203" pitchFamily="34" charset="0"/>
-                <a:ea typeface="Calibri" panose="020F0502020204030204" pitchFamily="34" charset="0"/>
-                <a:cs typeface="Times New Roman" panose="02020603050405020304" pitchFamily="18" charset="0"/>
-              </a:rPr>
-              <a:t>Merge Query as New </a:t>
-            </a:r>
-            <a:r>
-              <a:rPr lang="en-US" dirty="0" smtClean="0">
-                <a:latin typeface="Segoe UI" panose="020B0502040204020203" pitchFamily="34" charset="0"/>
-                <a:ea typeface="Calibri" panose="020F0502020204030204" pitchFamily="34" charset="0"/>
-                <a:cs typeface="Times New Roman" panose="02020603050405020304" pitchFamily="18" charset="0"/>
-              </a:rPr>
-              <a:t>from </a:t>
-            </a:r>
-            <a:r>
-              <a:rPr lang="en-US" b="1" dirty="0" smtClean="0">
-                <a:latin typeface="Segoe UI" panose="020B0502040204020203" pitchFamily="34" charset="0"/>
-                <a:ea typeface="Calibri" panose="020F0502020204030204" pitchFamily="34" charset="0"/>
-                <a:cs typeface="Times New Roman" panose="02020603050405020304" pitchFamily="18" charset="0"/>
-              </a:rPr>
-              <a:t>Merge Queries</a:t>
-            </a:r>
-            <a:r>
-              <a:rPr lang="en-US" dirty="0" smtClean="0">
-                <a:latin typeface="Segoe UI" panose="020B0502040204020203" pitchFamily="34" charset="0"/>
-                <a:ea typeface="Calibri" panose="020F0502020204030204" pitchFamily="34" charset="0"/>
-                <a:cs typeface="Times New Roman" panose="02020603050405020304" pitchFamily="18" charset="0"/>
-              </a:rPr>
-              <a:t> on the tab </a:t>
-            </a:r>
-            <a:r>
-              <a:rPr lang="en-US" b="1" dirty="0" smtClean="0">
-                <a:latin typeface="Segoe UI" panose="020B0502040204020203" pitchFamily="34" charset="0"/>
-                <a:ea typeface="Calibri" panose="020F0502020204030204" pitchFamily="34" charset="0"/>
-                <a:cs typeface="Times New Roman" panose="02020603050405020304" pitchFamily="18" charset="0"/>
-              </a:rPr>
-              <a:t>Home</a:t>
-            </a:r>
-            <a:endParaRPr lang="en-US" sz="1400" dirty="0">
-              <a:effectLst/>
-              <a:latin typeface="Calibri" panose="020F0502020204030204" pitchFamily="34" charset="0"/>
-              <a:ea typeface="Calibri" panose="020F0502020204030204" pitchFamily="34" charset="0"/>
-              <a:cs typeface="Times New Roman" panose="02020603050405020304" pitchFamily="18" charset="0"/>
-            </a:endParaRPr>
-          </a:p>
-        </p:txBody>
-      </p:sp>
       <p:pic>
         <p:nvPicPr>
-          <p:cNvPr id="17" name="Picture 16"/>
+          <p:cNvPr id="4" name="Picture 3"/>
           <p:cNvPicPr>
             <a:picLocks noChangeAspect="1"/>
           </p:cNvPicPr>
@@ -4057,8 +3808,8 @@
         </p:blipFill>
         <p:spPr>
           <a:xfrm>
-            <a:off x="295410" y="1151353"/>
-            <a:ext cx="11605540" cy="1354443"/>
+            <a:off x="317532" y="1370610"/>
+            <a:ext cx="11283423" cy="1899625"/>
           </a:xfrm>
           <a:prstGeom prst="rect">
             <a:avLst/>
@@ -4067,14 +3818,47 @@
       </p:pic>
       <p:sp>
         <p:nvSpPr>
+          <p:cNvPr id="3" name="Rectangle 2"/>
+          <p:cNvSpPr/>
+          <p:nvPr/>
+        </p:nvSpPr>
+        <p:spPr>
+          <a:xfrm>
+            <a:off x="222297" y="233001"/>
+            <a:ext cx="2098651" cy="369332"/>
+          </a:xfrm>
+          <a:prstGeom prst="rect">
+            <a:avLst/>
+          </a:prstGeom>
+        </p:spPr>
+        <p:txBody>
+          <a:bodyPr wrap="none">
+            <a:spAutoFit/>
+          </a:bodyPr>
+          <a:lstStyle/>
+          <a:p>
+            <a:r xmlns:a="http://schemas.openxmlformats.org/drawingml/2006/main">
+              <a:rPr lang="en" b="1" kern="0" dirty="0" smtClean="0">
+                <a:latin typeface="Segoe UI" panose="020B0502040204020203" pitchFamily="34" charset="0"/>
+                <a:ea typeface="Times New Roman" panose="02020603050405020304" pitchFamily="18" charset="0"/>
+                <a:cs typeface="Times New Roman" panose="02020603050405020304" pitchFamily="18" charset="0"/>
+              </a:rPr>
+              <a:t>Merge vs Append</a:t>
+            </a:r>
+            <a:endParaRPr xmlns:a="http://schemas.openxmlformats.org/drawingml/2006/main" lang="en-US" dirty="0"/>
+          </a:p>
+        </p:txBody>
+      </p:sp>
+      <p:sp>
+        <p:nvSpPr>
           <p:cNvPr id="18" name="Rectangle 17"/>
           <p:cNvSpPr/>
           <p:nvPr/>
         </p:nvSpPr>
         <p:spPr>
           <a:xfrm>
-            <a:off x="825022" y="1358897"/>
-            <a:ext cx="529390" cy="206256"/>
+            <a:off x="829149" y="1647655"/>
+            <a:ext cx="489512" cy="133019"/>
           </a:xfrm>
           <a:prstGeom prst="rect">
             <a:avLst/>
@@ -4121,8 +3905,8 @@
         </p:nvSpPr>
         <p:spPr>
           <a:xfrm>
-            <a:off x="10327678" y="2033811"/>
-            <a:ext cx="1573272" cy="211986"/>
+            <a:off x="9831290" y="3003082"/>
+            <a:ext cx="1593897" cy="238708"/>
           </a:xfrm>
           <a:prstGeom prst="rect">
             <a:avLst/>
@@ -4169,8 +3953,8 @@
         </p:nvSpPr>
         <p:spPr>
           <a:xfrm>
-            <a:off x="10260072" y="1616588"/>
-            <a:ext cx="1015236" cy="157224"/>
+            <a:off x="9760017" y="1853911"/>
+            <a:ext cx="490890" cy="793036"/>
           </a:xfrm>
           <a:prstGeom prst="rect">
             <a:avLst/>
@@ -4206,6 +3990,59 @@
           <a:p>
             <a:pPr algn="ctr"/>
             <a:endParaRPr lang="en-US"/>
+          </a:p>
+        </p:txBody>
+      </p:sp>
+      <p:sp>
+        <p:nvSpPr>
+          <p:cNvPr id="2" name="Rectangle 1"/>
+          <p:cNvSpPr/>
+          <p:nvPr/>
+        </p:nvSpPr>
+        <p:spPr>
+          <a:xfrm>
+            <a:off x="222297" y="862332"/>
+            <a:ext cx="11378658" cy="400110"/>
+          </a:xfrm>
+          <a:prstGeom prst="rect">
+            <a:avLst/>
+          </a:prstGeom>
+        </p:spPr>
+        <p:txBody>
+          <a:bodyPr wrap="square">
+            <a:spAutoFit/>
+          </a:bodyPr>
+          <a:lstStyle/>
+          <a:p>
+            <a:r xmlns:a="http://schemas.openxmlformats.org/drawingml/2006/main">
+              <a:rPr lang="en" sz="2000" b="1" dirty="0"/>
+              <a:t>Select "Merge queries as new" </a:t>
+            </a:r>
+            <a:r xmlns:a="http://schemas.openxmlformats.org/drawingml/2006/main">
+              <a:rPr lang="en" sz="2000" dirty="0"/>
+              <a:t>from the </a:t>
+            </a:r>
+            <a:r xmlns:a="http://schemas.openxmlformats.org/drawingml/2006/main">
+              <a:rPr lang="en" sz="2000" b="1" dirty="0" smtClean="0"/>
+              <a:t>Combine option </a:t>
+            </a:r>
+            <a:r xmlns:a="http://schemas.openxmlformats.org/drawingml/2006/main">
+              <a:rPr lang="en" sz="2000" dirty="0" smtClean="0"/>
+              <a:t>in the </a:t>
+            </a:r>
+            <a:r xmlns:a="http://schemas.openxmlformats.org/drawingml/2006/main">
+              <a:rPr lang="en" sz="2000" b="1" dirty="0" smtClean="0"/>
+              <a:t>Home </a:t>
+            </a:r>
+            <a:r xmlns:a="http://schemas.openxmlformats.org/drawingml/2006/main">
+              <a:rPr lang="en" sz="2000" dirty="0"/>
+              <a:t>tab </a:t>
+            </a:r>
+            <a:r xmlns:a="http://schemas.openxmlformats.org/drawingml/2006/main">
+              <a:rPr lang="en" sz="2000" dirty="0" smtClean="0"/>
+              <a:t>.</a:t>
+            </a:r>
+            <a:endParaRPr xmlns:a="http://schemas.openxmlformats.org/drawingml/2006/main" lang="en-US" sz="2000" dirty="0"/>
           </a:p>
         </p:txBody>
       </p:sp>
@@ -4284,61 +4121,15 @@
           </a:bodyPr>
           <a:lstStyle/>
           <a:p>
-            <a:r>
-              <a:rPr lang="en-US" b="1" kern="0" dirty="0" smtClean="0">
+            <a:r xmlns:a="http://schemas.openxmlformats.org/drawingml/2006/main">
+              <a:rPr lang="en" b="1" kern="0" dirty="0" smtClean="0">
                 <a:latin typeface="Segoe UI" panose="020B0502040204020203" pitchFamily="34" charset="0"/>
                 <a:ea typeface="Times New Roman" panose="02020603050405020304" pitchFamily="18" charset="0"/>
                 <a:cs typeface="Times New Roman" panose="02020603050405020304" pitchFamily="18" charset="0"/>
               </a:rPr>
               <a:t>Merge vs Append</a:t>
             </a:r>
-            <a:endParaRPr lang="en-US" dirty="0"/>
-          </a:p>
-        </p:txBody>
-      </p:sp>
-      <p:sp>
-        <p:nvSpPr>
-          <p:cNvPr id="4" name="Rectangle 3"/>
-          <p:cNvSpPr/>
-          <p:nvPr/>
-        </p:nvSpPr>
-        <p:spPr>
-          <a:xfrm>
-            <a:off x="222297" y="748907"/>
-            <a:ext cx="8131056" cy="373692"/>
-          </a:xfrm>
-          <a:prstGeom prst="rect">
-            <a:avLst/>
-          </a:prstGeom>
-        </p:spPr>
-        <p:txBody>
-          <a:bodyPr wrap="square">
-            <a:spAutoFit/>
-          </a:bodyPr>
-          <a:lstStyle/>
-          <a:p>
-            <a:pPr lvl="0">
-              <a:lnSpc>
-                <a:spcPct val="107000"/>
-              </a:lnSpc>
-              <a:spcAft>
-                <a:spcPts val="800"/>
-              </a:spcAft>
-            </a:pPr>
-            <a:r>
-              <a:rPr lang="en-US" dirty="0" smtClean="0">
-                <a:latin typeface="Segoe UI" panose="020B0502040204020203" pitchFamily="34" charset="0"/>
-                <a:ea typeface="Calibri" panose="020F0502020204030204" pitchFamily="34" charset="0"/>
-                <a:cs typeface="Times New Roman" panose="02020603050405020304" pitchFamily="18" charset="0"/>
-              </a:rPr>
-              <a:t>Select both ID columns and notice that the OK button becomes active</a:t>
-            </a:r>
-            <a:endParaRPr lang="en-US" sz="1400" dirty="0">
-              <a:effectLst/>
-              <a:latin typeface="Calibri" panose="020F0502020204030204" pitchFamily="34" charset="0"/>
-              <a:ea typeface="Calibri" panose="020F0502020204030204" pitchFamily="34" charset="0"/>
-              <a:cs typeface="Times New Roman" panose="02020603050405020304" pitchFamily="18" charset="0"/>
-            </a:endParaRPr>
+            <a:endParaRPr xmlns:a="http://schemas.openxmlformats.org/drawingml/2006/main" lang="en-US" dirty="0"/>
           </a:p>
         </p:txBody>
       </p:sp>
@@ -4477,6 +4268,35 @@
           <a:p>
             <a:pPr algn="ctr"/>
             <a:endParaRPr lang="en-US"/>
+          </a:p>
+        </p:txBody>
+      </p:sp>
+      <p:sp>
+        <p:nvSpPr>
+          <p:cNvPr id="2" name="Rectangle 1"/>
+          <p:cNvSpPr/>
+          <p:nvPr/>
+        </p:nvSpPr>
+        <p:spPr>
+          <a:xfrm>
+            <a:off x="222297" y="711038"/>
+            <a:ext cx="9526720" cy="400110"/>
+          </a:xfrm>
+          <a:prstGeom prst="rect">
+            <a:avLst/>
+          </a:prstGeom>
+        </p:spPr>
+        <p:txBody>
+          <a:bodyPr wrap="square">
+            <a:spAutoFit/>
+          </a:bodyPr>
+          <a:lstStyle/>
+          <a:p>
+            <a:r xmlns:a="http://schemas.openxmlformats.org/drawingml/2006/main">
+              <a:rPr lang="en" sz="2000" dirty="0"/>
+              <a:t>Select the ID columns of both files and notice that the OK button becomes active.</a:t>
+            </a:r>
+            <a:endParaRPr xmlns:a="http://schemas.openxmlformats.org/drawingml/2006/main" lang="en-US" sz="2000" dirty="0"/>
           </a:p>
         </p:txBody>
       </p:sp>
@@ -4531,169 +4351,15 @@
           </a:bodyPr>
           <a:lstStyle/>
           <a:p>
-            <a:r>
-              <a:rPr lang="en-US" b="1" kern="0" dirty="0" smtClean="0">
+            <a:r xmlns:a="http://schemas.openxmlformats.org/drawingml/2006/main">
+              <a:rPr lang="en" b="1" kern="0" dirty="0" smtClean="0">
                 <a:latin typeface="Segoe UI" panose="020B0502040204020203" pitchFamily="34" charset="0"/>
                 <a:ea typeface="Times New Roman" panose="02020603050405020304" pitchFamily="18" charset="0"/>
                 <a:cs typeface="Times New Roman" panose="02020603050405020304" pitchFamily="18" charset="0"/>
               </a:rPr>
               <a:t>Merge vs Append</a:t>
             </a:r>
-            <a:endParaRPr lang="en-US" dirty="0"/>
-          </a:p>
-        </p:txBody>
-      </p:sp>
-      <p:sp>
-        <p:nvSpPr>
-          <p:cNvPr id="2" name="Rectangle 1"/>
-          <p:cNvSpPr/>
-          <p:nvPr/>
-        </p:nvSpPr>
-        <p:spPr>
-          <a:xfrm>
-            <a:off x="222297" y="711458"/>
-            <a:ext cx="4649286" cy="373692"/>
-          </a:xfrm>
-          <a:prstGeom prst="rect">
-            <a:avLst/>
-          </a:prstGeom>
-        </p:spPr>
-        <p:txBody>
-          <a:bodyPr wrap="none">
-            <a:spAutoFit/>
-          </a:bodyPr>
-          <a:lstStyle/>
-          <a:p>
-            <a:pPr lvl="0">
-              <a:lnSpc>
-                <a:spcPct val="107000"/>
-              </a:lnSpc>
-              <a:spcAft>
-                <a:spcPts val="800"/>
-              </a:spcAft>
-            </a:pPr>
-            <a:r>
-              <a:rPr lang="en-US" dirty="0" smtClean="0">
-                <a:latin typeface="Segoe UI" panose="020B0502040204020203" pitchFamily="34" charset="0"/>
-                <a:ea typeface="Calibri" panose="020F0502020204030204" pitchFamily="34" charset="0"/>
-                <a:cs typeface="Times New Roman" panose="02020603050405020304" pitchFamily="18" charset="0"/>
-              </a:rPr>
-              <a:t>Test this example with all possible join types</a:t>
-            </a:r>
-            <a:endParaRPr lang="en-US" sz="1400" dirty="0">
-              <a:effectLst/>
-              <a:latin typeface="Calibri" panose="020F0502020204030204" pitchFamily="34" charset="0"/>
-              <a:ea typeface="Calibri" panose="020F0502020204030204" pitchFamily="34" charset="0"/>
-              <a:cs typeface="Times New Roman" panose="02020603050405020304" pitchFamily="18" charset="0"/>
-            </a:endParaRPr>
-          </a:p>
-        </p:txBody>
-      </p:sp>
-      <p:sp>
-        <p:nvSpPr>
-          <p:cNvPr id="5" name="Rectangle 4"/>
-          <p:cNvSpPr/>
-          <p:nvPr/>
-        </p:nvSpPr>
-        <p:spPr>
-          <a:xfrm>
-            <a:off x="222297" y="1194275"/>
-            <a:ext cx="11878034" cy="685059"/>
-          </a:xfrm>
-          <a:prstGeom prst="rect">
-            <a:avLst/>
-          </a:prstGeom>
-        </p:spPr>
-        <p:txBody>
-          <a:bodyPr wrap="square">
-            <a:spAutoFit/>
-          </a:bodyPr>
-          <a:lstStyle/>
-          <a:p>
-            <a:pPr lvl="0">
-              <a:lnSpc>
-                <a:spcPct val="107000"/>
-              </a:lnSpc>
-              <a:spcAft>
-                <a:spcPts val="800"/>
-              </a:spcAft>
-            </a:pPr>
-            <a:r>
-              <a:rPr lang="en-US" dirty="0">
-                <a:latin typeface="Segoe UI" panose="020B0502040204020203" pitchFamily="34" charset="0"/>
-                <a:ea typeface="Calibri" panose="020F0502020204030204" pitchFamily="34" charset="0"/>
-                <a:cs typeface="Times New Roman" panose="02020603050405020304" pitchFamily="18" charset="0"/>
-              </a:rPr>
-              <a:t>Notice the </a:t>
-            </a:r>
-            <a:r>
-              <a:rPr lang="en-US" b="1" dirty="0">
-                <a:latin typeface="Segoe UI" panose="020B0502040204020203" pitchFamily="34" charset="0"/>
-                <a:ea typeface="Calibri" panose="020F0502020204030204" pitchFamily="34" charset="0"/>
-                <a:cs typeface="Times New Roman" panose="02020603050405020304" pitchFamily="18" charset="0"/>
-              </a:rPr>
-              <a:t>Fuzzy feature matching options </a:t>
-            </a:r>
-            <a:r>
-              <a:rPr lang="en-US" dirty="0">
-                <a:latin typeface="Segoe UI" panose="020B0502040204020203" pitchFamily="34" charset="0"/>
-                <a:ea typeface="Calibri" panose="020F0502020204030204" pitchFamily="34" charset="0"/>
-                <a:cs typeface="Times New Roman" panose="02020603050405020304" pitchFamily="18" charset="0"/>
-              </a:rPr>
-              <a:t>, this option is used in case the two columns in common do not have values that are exactly equal but rather similar</a:t>
-            </a:r>
-            <a:endParaRPr lang="en-US" sz="1400" dirty="0">
-              <a:effectLst/>
-              <a:latin typeface="Calibri" panose="020F0502020204030204" pitchFamily="34" charset="0"/>
-              <a:ea typeface="Calibri" panose="020F0502020204030204" pitchFamily="34" charset="0"/>
-              <a:cs typeface="Times New Roman" panose="02020603050405020304" pitchFamily="18" charset="0"/>
-            </a:endParaRPr>
-          </a:p>
-        </p:txBody>
-      </p:sp>
-      <p:sp>
-        <p:nvSpPr>
-          <p:cNvPr id="6" name="Rectangle 5"/>
-          <p:cNvSpPr/>
-          <p:nvPr/>
-        </p:nvSpPr>
-        <p:spPr>
-          <a:xfrm>
-            <a:off x="222297" y="1988459"/>
-            <a:ext cx="9746726" cy="373692"/>
-          </a:xfrm>
-          <a:prstGeom prst="rect">
-            <a:avLst/>
-          </a:prstGeom>
-        </p:spPr>
-        <p:txBody>
-          <a:bodyPr wrap="square">
-            <a:spAutoFit/>
-          </a:bodyPr>
-          <a:lstStyle/>
-          <a:p>
-            <a:pPr lvl="0">
-              <a:lnSpc>
-                <a:spcPct val="107000"/>
-              </a:lnSpc>
-              <a:spcAft>
-                <a:spcPts val="800"/>
-              </a:spcAft>
-            </a:pPr>
-            <a:r>
-              <a:rPr lang="en-US" dirty="0" smtClean="0">
-                <a:latin typeface="Segoe UI" panose="020B0502040204020203" pitchFamily="34" charset="0"/>
-                <a:ea typeface="Calibri" panose="020F0502020204030204" pitchFamily="34" charset="0"/>
-                <a:cs typeface="Times New Roman" panose="02020603050405020304" pitchFamily="18" charset="0"/>
-              </a:rPr>
-              <a:t>Note that the degree of similarity is between 0 and 1 and the relative default value is 0.8</a:t>
-            </a:r>
-            <a:endParaRPr lang="en-US" sz="1400" dirty="0">
-              <a:effectLst/>
-              <a:latin typeface="Calibri" panose="020F0502020204030204" pitchFamily="34" charset="0"/>
-              <a:ea typeface="Calibri" panose="020F0502020204030204" pitchFamily="34" charset="0"/>
-              <a:cs typeface="Times New Roman" panose="02020603050405020304" pitchFamily="18" charset="0"/>
-            </a:endParaRPr>
+            <a:endParaRPr xmlns:a="http://schemas.openxmlformats.org/drawingml/2006/main" lang="en-US" dirty="0"/>
           </a:p>
         </p:txBody>
       </p:sp>
@@ -4718,7 +4384,7 @@
         </p:blipFill>
         <p:spPr bwMode="auto">
           <a:xfrm>
-            <a:off x="320314" y="2565277"/>
+            <a:off x="2320948" y="2511658"/>
             <a:ext cx="6052985" cy="2192353"/>
           </a:xfrm>
           <a:prstGeom prst="rect">
@@ -4738,14 +4404,14 @@
       </p:pic>
       <p:sp>
         <p:nvSpPr>
-          <p:cNvPr id="7" name="Rectangle 6"/>
+          <p:cNvPr id="4" name="Rectangle 3"/>
           <p:cNvSpPr/>
           <p:nvPr/>
         </p:nvSpPr>
         <p:spPr>
           <a:xfrm>
-            <a:off x="271305" y="5142153"/>
-            <a:ext cx="9648709" cy="373692"/>
+            <a:off x="298805" y="5091768"/>
+            <a:ext cx="11120881" cy="707886"/>
           </a:xfrm>
           <a:prstGeom prst="rect">
             <a:avLst/>
@@ -4757,28 +4423,130 @@
           </a:bodyPr>
           <a:lstStyle/>
           <a:p>
-            <a:pPr lvl="0">
-              <a:lnSpc>
-                <a:spcPct val="107000"/>
-              </a:lnSpc>
-              <a:spcAft>
-                <a:spcPts val="800"/>
-              </a:spcAft>
-            </a:pPr>
-            <a:r>
-              <a:rPr lang="en-US" dirty="0" smtClean="0">
-                <a:latin typeface="Segoe UI" panose="020B0502040204020203" pitchFamily="34" charset="0"/>
-                <a:ea typeface="Calibri" panose="020F0502020204030204" pitchFamily="34" charset="0"/>
-                <a:cs typeface="Times New Roman" panose="02020603050405020304" pitchFamily="18" charset="0"/>
-              </a:rPr>
-              <a:t>Repeat the same exercise with Append as New and notice the difference in the output level</a:t>
-            </a:r>
-            <a:endParaRPr lang="en-US" sz="1400" dirty="0">
-              <a:effectLst/>
-              <a:latin typeface="Calibri" panose="020F0502020204030204" pitchFamily="34" charset="0"/>
-              <a:ea typeface="Calibri" panose="020F0502020204030204" pitchFamily="34" charset="0"/>
-              <a:cs typeface="Times New Roman" panose="02020603050405020304" pitchFamily="18" charset="0"/>
-            </a:endParaRPr>
+            <a:r xmlns:a="http://schemas.openxmlformats.org/drawingml/2006/main">
+              <a:rPr lang="en" sz="2000" dirty="0"/>
+              <a:t>Repeat the same exercise with </a:t>
+            </a:r>
+            <a:r xmlns:a="http://schemas.openxmlformats.org/drawingml/2006/main">
+              <a:rPr lang="en" sz="2000" b="1" dirty="0"/>
+              <a:t>"Append as New" </a:t>
+            </a:r>
+            <a:r xmlns:a="http://schemas.openxmlformats.org/drawingml/2006/main">
+              <a:rPr lang="en" sz="2000" dirty="0"/>
+              <a:t>and observe the difference in the result.</a:t>
+            </a:r>
+            <a:endParaRPr xmlns:a="http://schemas.openxmlformats.org/drawingml/2006/main" lang="en-US" sz="2000" dirty="0"/>
+          </a:p>
+        </p:txBody>
+      </p:sp>
+      <p:sp>
+        <p:nvSpPr>
+          <p:cNvPr id="9" name="Rectangle 8"/>
+          <p:cNvSpPr/>
+          <p:nvPr/>
+        </p:nvSpPr>
+        <p:spPr>
+          <a:xfrm>
+            <a:off x="222297" y="2023884"/>
+            <a:ext cx="10501232" cy="400110"/>
+          </a:xfrm>
+          <a:prstGeom prst="rect">
+            <a:avLst/>
+          </a:prstGeom>
+        </p:spPr>
+        <p:txBody>
+          <a:bodyPr wrap="square">
+            <a:spAutoFit/>
+          </a:bodyPr>
+          <a:lstStyle/>
+          <a:p>
+            <a:r xmlns:a="http://schemas.openxmlformats.org/drawingml/2006/main">
+              <a:rPr lang="en" sz="2000" dirty="0"/>
+              <a:t>Note that the similarity degree ranges from 0 to 1, with a default value of 0.8.</a:t>
+            </a:r>
+            <a:endParaRPr xmlns:a="http://schemas.openxmlformats.org/drawingml/2006/main" lang="en-US" sz="2000" dirty="0"/>
+          </a:p>
+        </p:txBody>
+      </p:sp>
+      <p:sp>
+        <p:nvSpPr>
+          <p:cNvPr id="10" name="Rectangle 9"/>
+          <p:cNvSpPr/>
+          <p:nvPr/>
+        </p:nvSpPr>
+        <p:spPr>
+          <a:xfrm>
+            <a:off x="222297" y="1228334"/>
+            <a:ext cx="10569984" cy="707886"/>
+          </a:xfrm>
+          <a:prstGeom prst="rect">
+            <a:avLst/>
+          </a:prstGeom>
+        </p:spPr>
+        <p:txBody>
+          <a:bodyPr wrap="square">
+            <a:spAutoFit/>
+          </a:bodyPr>
+          <a:lstStyle/>
+          <a:p>
+            <a:r xmlns:a="http://schemas.openxmlformats.org/drawingml/2006/main">
+              <a:rPr lang="en" sz="2000" dirty="0"/>
+              <a:t>Observe the fuzzy matching option </a:t>
+            </a:r>
+            <a:r xmlns:a="http://schemas.openxmlformats.org/drawingml/2006/main">
+              <a:rPr lang="en" sz="2000" b="1" dirty="0"/>
+              <a:t>( </a:t>
+            </a:r>
+            <a:r xmlns:a="http://schemas.openxmlformats.org/drawingml/2006/main">
+              <a:rPr lang="en" sz="2000" b="1" dirty="0" err="1"/>
+              <a:t>Fuzzy</a:t>
+            </a:r>
+            <a:r xmlns:a="http://schemas.openxmlformats.org/drawingml/2006/main">
+              <a:rPr lang="en" sz="2000" b="1" dirty="0"/>
+              <a:t> </a:t>
+            </a:r>
+            <a:r xmlns:a="http://schemas.openxmlformats.org/drawingml/2006/main">
+              <a:rPr lang="en" sz="2000" b="1" dirty="0" err="1"/>
+              <a:t>Matching </a:t>
+            </a:r>
+            <a:r xmlns:a="http://schemas.openxmlformats.org/drawingml/2006/main">
+              <a:rPr lang="en" sz="2000" b="1" dirty="0"/>
+              <a:t>) </a:t>
+            </a:r>
+            <a:r xmlns:a="http://schemas.openxmlformats.org/drawingml/2006/main">
+              <a:rPr lang="en" sz="2000" dirty="0"/>
+              <a:t>, used when the common values are not strictly identical but similar.</a:t>
+            </a:r>
+            <a:endParaRPr xmlns:a="http://schemas.openxmlformats.org/drawingml/2006/main" lang="en-US" sz="2000" dirty="0"/>
+          </a:p>
+        </p:txBody>
+      </p:sp>
+      <p:sp>
+        <p:nvSpPr>
+          <p:cNvPr id="12" name="Rectangle 11"/>
+          <p:cNvSpPr/>
+          <p:nvPr/>
+        </p:nvSpPr>
+        <p:spPr>
+          <a:xfrm>
+            <a:off x="222297" y="771338"/>
+            <a:ext cx="6556282" cy="400110"/>
+          </a:xfrm>
+          <a:prstGeom prst="rect">
+            <a:avLst/>
+          </a:prstGeom>
+        </p:spPr>
+        <p:txBody>
+          <a:bodyPr wrap="none">
+            <a:spAutoFit/>
+          </a:bodyPr>
+          <a:lstStyle/>
+          <a:p>
+            <a:r xmlns:a="http://schemas.openxmlformats.org/drawingml/2006/main">
+              <a:rPr lang="en" sz="2000" dirty="0"/>
+              <a:t>Test this example with all possible join types.</a:t>
+            </a:r>
+            <a:endParaRPr xmlns:a="http://schemas.openxmlformats.org/drawingml/2006/main" lang="en-US" sz="2000" dirty="0"/>
           </a:p>
         </p:txBody>
       </p:sp>
@@ -4796,6 +4564,166 @@
 </file>
 
 <file path=ppt/slides/slide6.xml><?xml version="1.0" encoding="utf-8"?>
+<p:sld xmlns:a="http://schemas.openxmlformats.org/drawingml/2006/main" xmlns:r="http://schemas.openxmlformats.org/officeDocument/2006/relationships" xmlns:p="http://schemas.openxmlformats.org/presentationml/2006/main">
+  <p:cSld>
+    <p:spTree>
+      <p:nvGrpSpPr>
+        <p:cNvPr id="1" name=""/>
+        <p:cNvGrpSpPr/>
+        <p:nvPr/>
+      </p:nvGrpSpPr>
+      <p:grpSpPr>
+        <a:xfrm>
+          <a:off x="0" y="0"/>
+          <a:ext cx="0" cy="0"/>
+          <a:chOff x="0" y="0"/>
+          <a:chExt cx="0" cy="0"/>
+        </a:xfrm>
+      </p:grpSpPr>
+      <p:sp>
+        <p:nvSpPr>
+          <p:cNvPr id="3" name="Rectangle 2"/>
+          <p:cNvSpPr/>
+          <p:nvPr/>
+        </p:nvSpPr>
+        <p:spPr>
+          <a:xfrm>
+            <a:off x="222297" y="233001"/>
+            <a:ext cx="2098651" cy="369332"/>
+          </a:xfrm>
+          <a:prstGeom prst="rect">
+            <a:avLst/>
+          </a:prstGeom>
+        </p:spPr>
+        <p:txBody>
+          <a:bodyPr wrap="none">
+            <a:spAutoFit/>
+          </a:bodyPr>
+          <a:lstStyle/>
+          <a:p>
+            <a:r xmlns:a="http://schemas.openxmlformats.org/drawingml/2006/main">
+              <a:rPr lang="en" b="1" kern="0" dirty="0" smtClean="0">
+                <a:latin typeface="Segoe UI" panose="020B0502040204020203" pitchFamily="34" charset="0"/>
+                <a:ea typeface="Times New Roman" panose="02020603050405020304" pitchFamily="18" charset="0"/>
+                <a:cs typeface="Times New Roman" panose="02020603050405020304" pitchFamily="18" charset="0"/>
+              </a:rPr>
+              <a:t>Merge vs Append</a:t>
+            </a:r>
+            <a:endParaRPr xmlns:a="http://schemas.openxmlformats.org/drawingml/2006/main" lang="en-US" dirty="0"/>
+          </a:p>
+        </p:txBody>
+      </p:sp>
+      <p:sp>
+        <p:nvSpPr>
+          <p:cNvPr id="12" name="Rectangle 11"/>
+          <p:cNvSpPr/>
+          <p:nvPr/>
+        </p:nvSpPr>
+        <p:spPr>
+          <a:xfrm>
+            <a:off x="222297" y="771338"/>
+            <a:ext cx="6208431" cy="400110"/>
+          </a:xfrm>
+          <a:prstGeom prst="rect">
+            <a:avLst/>
+          </a:prstGeom>
+        </p:spPr>
+        <p:txBody>
+          <a:bodyPr wrap="none">
+            <a:spAutoFit/>
+          </a:bodyPr>
+          <a:lstStyle/>
+          <a:p>
+            <a:r xmlns:a="http://schemas.openxmlformats.org/drawingml/2006/main">
+              <a:rPr lang="en" sz="2000" dirty="0" smtClean="0"/>
+              <a:t>Redo the exercise with append as an option this time.</a:t>
+            </a:r>
+            <a:endParaRPr xmlns:a="http://schemas.openxmlformats.org/drawingml/2006/main" lang="en-US" sz="2000" dirty="0"/>
+          </a:p>
+        </p:txBody>
+      </p:sp>
+      <p:pic>
+        <p:nvPicPr>
+          <p:cNvPr id="5" name="Picture 4"/>
+          <p:cNvPicPr>
+            <a:picLocks noChangeAspect="1"/>
+          </p:cNvPicPr>
+          <p:nvPr/>
+        </p:nvPicPr>
+        <p:blipFill>
+          <a:blip r:embed="rId2"/>
+          <a:stretch>
+            <a:fillRect/>
+          </a:stretch>
+        </p:blipFill>
+        <p:spPr>
+          <a:xfrm>
+            <a:off x="529742" y="1340453"/>
+            <a:ext cx="5010849" cy="2829320"/>
+          </a:xfrm>
+          <a:prstGeom prst="rect">
+            <a:avLst/>
+          </a:prstGeom>
+          <a:ln>
+            <a:noFill/>
+          </a:ln>
+          <a:effectLst>
+            <a:outerShdw blurRad="292100" dist="139700" dir="2700000" algn="tl" rotWithShape="0">
+              <a:srgbClr val="333333">
+                <a:alpha val="65000"/>
+              </a:srgbClr>
+            </a:outerShdw>
+          </a:effectLst>
+        </p:spPr>
+      </p:pic>
+      <p:pic>
+        <p:nvPicPr>
+          <p:cNvPr id="6" name="Picture 5"/>
+          <p:cNvPicPr>
+            <a:picLocks noChangeAspect="1"/>
+          </p:cNvPicPr>
+          <p:nvPr/>
+        </p:nvPicPr>
+        <p:blipFill>
+          <a:blip r:embed="rId3"/>
+          <a:stretch>
+            <a:fillRect/>
+          </a:stretch>
+        </p:blipFill>
+        <p:spPr>
+          <a:xfrm>
+            <a:off x="5871409" y="1436705"/>
+            <a:ext cx="5912437" cy="3549181"/>
+          </a:xfrm>
+          <a:prstGeom prst="rect">
+            <a:avLst/>
+          </a:prstGeom>
+          <a:ln>
+            <a:noFill/>
+          </a:ln>
+          <a:effectLst>
+            <a:outerShdw blurRad="292100" dist="139700" dir="2700000" algn="tl" rotWithShape="0">
+              <a:srgbClr val="333333">
+                <a:alpha val="65000"/>
+              </a:srgbClr>
+            </a:outerShdw>
+          </a:effectLst>
+        </p:spPr>
+      </p:pic>
+    </p:spTree>
+    <p:extLst>
+      <p:ext uri="{BB962C8B-B14F-4D97-AF65-F5344CB8AC3E}">
+        <p14:creationId xmlns:p14="http://schemas.microsoft.com/office/powerpoint/2010/main" val="2738751940"/>
+      </p:ext>
+    </p:extLst>
+  </p:cSld>
+  <p:clrMapOvr>
+    <a:masterClrMapping/>
+  </p:clrMapOvr>
+</p:sld>
+</file>
+
+<file path=ppt/slides/slide7.xml><?xml version="1.0" encoding="utf-8"?>
 <p:sld xmlns:a="http://schemas.openxmlformats.org/drawingml/2006/main" xmlns:r="http://schemas.openxmlformats.org/officeDocument/2006/relationships" xmlns:p="http://schemas.openxmlformats.org/presentationml/2006/main">
   <p:cSld>
     <p:bg>
@@ -4861,14 +4789,14 @@
       </p:sp>
       <p:sp>
         <p:nvSpPr>
-          <p:cNvPr id="5" name="TextBox 4"/>
+          <p:cNvPr id="7" name="TextBox 6"/>
           <p:cNvSpPr txBox="1"/>
           <p:nvPr/>
         </p:nvSpPr>
         <p:spPr>
           <a:xfrm>
-            <a:off x="2916199" y="2162433"/>
-            <a:ext cx="6230360" cy="1569660"/>
+            <a:off x="4084981" y="2485566"/>
+            <a:ext cx="3456395" cy="1569660"/>
           </a:xfrm>
           <a:prstGeom prst="rect">
             <a:avLst/>
@@ -4881,8 +4809,8 @@
           </a:bodyPr>
           <a:lstStyle/>
           <a:p>
-            <a:r>
-              <a:rPr lang="en-US" sz="9600" b="1" dirty="0" smtClean="0">
+            <a:r xmlns:a="http://schemas.openxmlformats.org/drawingml/2006/main">
+              <a:rPr lang="en" sz="9600" b="1" dirty="0" smtClean="0">
                 <a:solidFill>
                   <a:srgbClr val="7030A0"/>
                 </a:solidFill>
@@ -4890,9 +4818,9 @@
                 <a:ea typeface="Verdana" panose="020B0604030504040204" pitchFamily="34" charset="0"/>
                 <a:cs typeface="Segoe UI" panose="020B0502040204020203" pitchFamily="34" charset="0"/>
               </a:rPr>
-              <a:t>Thank you</a:t>
-            </a:r>
-            <a:endParaRPr lang="en-US" sz="9600" b="1" dirty="0">
+              <a:t>THANKS</a:t>
+            </a:r>
+            <a:endParaRPr xmlns:a="http://schemas.openxmlformats.org/drawingml/2006/main" lang="en-US" sz="9600" b="1" dirty="0">
               <a:solidFill>
                 <a:srgbClr val="7030A0"/>
               </a:solidFill>
@@ -4905,14 +4833,14 @@
       </p:sp>
       <p:sp>
         <p:nvSpPr>
-          <p:cNvPr id="6" name="TextBox 5"/>
+          <p:cNvPr id="8" name="TextBox 7"/>
           <p:cNvSpPr txBox="1"/>
           <p:nvPr/>
         </p:nvSpPr>
         <p:spPr>
           <a:xfrm>
-            <a:off x="2990336" y="2217861"/>
-            <a:ext cx="6230360" cy="1569660"/>
+            <a:off x="4014739" y="2410365"/>
+            <a:ext cx="3456395" cy="1569660"/>
           </a:xfrm>
           <a:prstGeom prst="rect">
             <a:avLst/>
@@ -4925,8 +4853,8 @@
           </a:bodyPr>
           <a:lstStyle/>
           <a:p>
-            <a:r>
-              <a:rPr lang="en-US" sz="9600" b="1" dirty="0" smtClean="0">
+            <a:r xmlns:a="http://schemas.openxmlformats.org/drawingml/2006/main">
+              <a:rPr lang="en" sz="9600" b="1" dirty="0" smtClean="0">
                 <a:solidFill>
                   <a:schemeClr val="bg1"/>
                 </a:solidFill>
@@ -4934,9 +4862,9 @@
                 <a:ea typeface="Verdana" panose="020B0604030504040204" pitchFamily="34" charset="0"/>
                 <a:cs typeface="Segoe UI" panose="020B0502040204020203" pitchFamily="34" charset="0"/>
               </a:rPr>
-              <a:t>Thank you</a:t>
-            </a:r>
-            <a:endParaRPr lang="en-US" sz="9600" b="1" dirty="0">
+              <a:t>THANKS</a:t>
+            </a:r>
+            <a:endParaRPr xmlns:a="http://schemas.openxmlformats.org/drawingml/2006/main" lang="en-US" sz="9600" b="1" dirty="0">
               <a:solidFill>
                 <a:schemeClr val="bg1"/>
               </a:solidFill>

--- a/English/2.Preparing data/3. Merge vs Append.pptx
+++ b/English/2.Preparing data/3. Merge vs Append.pptx
@@ -203,7 +203,7 @@
           <a:p>
             <a:fld id="{056BA3B8-9F76-4D81-B71D-76CB85363062}" type="datetimeFigureOut">
               <a:rPr lang="en-US" smtClean="0"/>
-              <a:t>3/10/2025</a:t>
+              <a:t>4/3/2025</a:t>
             </a:fld>
             <a:endParaRPr lang="en-US"/>
           </a:p>
@@ -686,7 +686,7 @@
           <a:p>
             <a:fld id="{6F01DA4D-20EA-48D2-973C-0311EC3005D6}" type="datetimeFigureOut">
               <a:rPr lang="en-US" smtClean="0"/>
-              <a:t>3/10/2025</a:t>
+              <a:t>4/3/2025</a:t>
             </a:fld>
             <a:endParaRPr lang="en-US"/>
           </a:p>
@@ -856,7 +856,7 @@
           <a:p>
             <a:fld id="{6F01DA4D-20EA-48D2-973C-0311EC3005D6}" type="datetimeFigureOut">
               <a:rPr lang="en-US" smtClean="0"/>
-              <a:t>3/10/2025</a:t>
+              <a:t>4/3/2025</a:t>
             </a:fld>
             <a:endParaRPr lang="en-US"/>
           </a:p>
@@ -1036,7 +1036,7 @@
           <a:p>
             <a:fld id="{6F01DA4D-20EA-48D2-973C-0311EC3005D6}" type="datetimeFigureOut">
               <a:rPr lang="en-US" smtClean="0"/>
-              <a:t>3/10/2025</a:t>
+              <a:t>4/3/2025</a:t>
             </a:fld>
             <a:endParaRPr lang="en-US"/>
           </a:p>
@@ -1206,7 +1206,7 @@
           <a:p>
             <a:fld id="{6F01DA4D-20EA-48D2-973C-0311EC3005D6}" type="datetimeFigureOut">
               <a:rPr lang="en-US" smtClean="0"/>
-              <a:t>3/10/2025</a:t>
+              <a:t>4/3/2025</a:t>
             </a:fld>
             <a:endParaRPr lang="en-US"/>
           </a:p>
@@ -1452,7 +1452,7 @@
           <a:p>
             <a:fld id="{6F01DA4D-20EA-48D2-973C-0311EC3005D6}" type="datetimeFigureOut">
               <a:rPr lang="en-US" smtClean="0"/>
-              <a:t>3/10/2025</a:t>
+              <a:t>4/3/2025</a:t>
             </a:fld>
             <a:endParaRPr lang="en-US"/>
           </a:p>
@@ -1684,7 +1684,7 @@
           <a:p>
             <a:fld id="{6F01DA4D-20EA-48D2-973C-0311EC3005D6}" type="datetimeFigureOut">
               <a:rPr lang="en-US" smtClean="0"/>
-              <a:t>3/10/2025</a:t>
+              <a:t>4/3/2025</a:t>
             </a:fld>
             <a:endParaRPr lang="en-US"/>
           </a:p>
@@ -2051,7 +2051,7 @@
           <a:p>
             <a:fld id="{6F01DA4D-20EA-48D2-973C-0311EC3005D6}" type="datetimeFigureOut">
               <a:rPr lang="en-US" smtClean="0"/>
-              <a:t>3/10/2025</a:t>
+              <a:t>4/3/2025</a:t>
             </a:fld>
             <a:endParaRPr lang="en-US"/>
           </a:p>
@@ -2169,7 +2169,7 @@
           <a:p>
             <a:fld id="{6F01DA4D-20EA-48D2-973C-0311EC3005D6}" type="datetimeFigureOut">
               <a:rPr lang="en-US" smtClean="0"/>
-              <a:t>3/10/2025</a:t>
+              <a:t>4/3/2025</a:t>
             </a:fld>
             <a:endParaRPr lang="en-US"/>
           </a:p>
@@ -2264,7 +2264,7 @@
           <a:p>
             <a:fld id="{6F01DA4D-20EA-48D2-973C-0311EC3005D6}" type="datetimeFigureOut">
               <a:rPr lang="en-US" smtClean="0"/>
-              <a:t>3/10/2025</a:t>
+              <a:t>4/3/2025</a:t>
             </a:fld>
             <a:endParaRPr lang="en-US"/>
           </a:p>
@@ -2541,7 +2541,7 @@
           <a:p>
             <a:fld id="{6F01DA4D-20EA-48D2-973C-0311EC3005D6}" type="datetimeFigureOut">
               <a:rPr lang="en-US" smtClean="0"/>
-              <a:t>3/10/2025</a:t>
+              <a:t>4/3/2025</a:t>
             </a:fld>
             <a:endParaRPr lang="en-US"/>
           </a:p>
@@ -2794,7 +2794,7 @@
           <a:p>
             <a:fld id="{6F01DA4D-20EA-48D2-973C-0311EC3005D6}" type="datetimeFigureOut">
               <a:rPr lang="en-US" smtClean="0"/>
-              <a:t>3/10/2025</a:t>
+              <a:t>4/3/2025</a:t>
             </a:fld>
             <a:endParaRPr lang="en-US"/>
           </a:p>
@@ -3007,7 +3007,7 @@
           <a:p>
             <a:fld id="{6F01DA4D-20EA-48D2-973C-0311EC3005D6}" type="datetimeFigureOut">
               <a:rPr lang="en-US" smtClean="0"/>
-              <a:t>3/10/2025</a:t>
+              <a:t>4/3/2025</a:t>
             </a:fld>
             <a:endParaRPr lang="en-US"/>
           </a:p>
@@ -3442,7 +3442,7 @@
           </a:bodyPr>
           <a:lstStyle/>
           <a:p>
-            <a:r xmlns:a="http://schemas.openxmlformats.org/drawingml/2006/main">
+            <a:r>
               <a:rPr lang="en" sz="8000" b="1" dirty="0" smtClean="0">
                 <a:solidFill>
                   <a:srgbClr val="7030A0"/>
@@ -3453,7 +3453,7 @@
               </a:rPr>
               <a:t>Merge vs Append</a:t>
             </a:r>
-            <a:endParaRPr xmlns:a="http://schemas.openxmlformats.org/drawingml/2006/main" lang="en-US" sz="8000" b="1" dirty="0">
+            <a:endParaRPr lang="en-US" sz="8000" b="1" dirty="0">
               <a:solidFill>
                 <a:srgbClr val="7030A0"/>
               </a:solidFill>
@@ -3486,7 +3486,7 @@
           </a:bodyPr>
           <a:lstStyle/>
           <a:p>
-            <a:r xmlns:a="http://schemas.openxmlformats.org/drawingml/2006/main">
+            <a:r>
               <a:rPr lang="en" sz="8000" b="1" dirty="0" smtClean="0">
                 <a:solidFill>
                   <a:schemeClr val="bg1"/>
@@ -3497,7 +3497,7 @@
               </a:rPr>
               <a:t>Merge vs Append</a:t>
             </a:r>
-            <a:endParaRPr xmlns:a="http://schemas.openxmlformats.org/drawingml/2006/main" lang="en-US" sz="8000" b="1" dirty="0">
+            <a:endParaRPr lang="en-US" sz="8000" b="1" dirty="0">
               <a:solidFill>
                 <a:schemeClr val="bg1"/>
               </a:solidFill>
@@ -3559,7 +3559,7 @@
           </a:bodyPr>
           <a:lstStyle/>
           <a:p>
-            <a:r xmlns:a="http://schemas.openxmlformats.org/drawingml/2006/main">
+            <a:r>
               <a:rPr lang="en" b="1" kern="0" dirty="0" smtClean="0">
                 <a:latin typeface="Segoe UI" panose="020B0502040204020203" pitchFamily="34" charset="0"/>
                 <a:ea typeface="Times New Roman" panose="02020603050405020304" pitchFamily="18" charset="0"/>
@@ -3567,7 +3567,7 @@
               </a:rPr>
               <a:t>Merge vs Append</a:t>
             </a:r>
-            <a:endParaRPr xmlns:a="http://schemas.openxmlformats.org/drawingml/2006/main" lang="en-US" dirty="0"/>
+            <a:endParaRPr lang="en-US" dirty="0"/>
           </a:p>
         </p:txBody>
       </p:sp>
@@ -3631,39 +3631,39 @@
           </a:bodyPr>
           <a:lstStyle/>
           <a:p>
-            <a:r xmlns:a="http://schemas.openxmlformats.org/drawingml/2006/main">
+            <a:r>
               <a:rPr lang="en" sz="2000" dirty="0"/>
               <a:t>Note: This lab uses the files </a:t>
             </a:r>
-            <a:r xmlns:a="http://schemas.openxmlformats.org/drawingml/2006/main">
+            <a:r>
               <a:rPr lang="en" sz="2000" b="1" dirty="0" smtClean="0"/>
               <a:t>File1.txt </a:t>
             </a:r>
-            <a:r xmlns:a="http://schemas.openxmlformats.org/drawingml/2006/main">
+            <a:r>
               <a:rPr lang="en" sz="2000" dirty="0" smtClean="0"/>
               <a:t>and </a:t>
             </a:r>
-            <a:r xmlns:a="http://schemas.openxmlformats.org/drawingml/2006/main">
+            <a:r>
               <a:rPr lang="en" sz="2000" b="1" dirty="0" smtClean="0"/>
               <a:t>File2.txt</a:t>
             </a:r>
-            <a:r xmlns:a="http://schemas.openxmlformats.org/drawingml/2006/main">
+            <a:r>
               <a:rPr lang="en" sz="2000" dirty="0" smtClean="0"/>
               <a:t> </a:t>
             </a:r>
-            <a:r xmlns:a="http://schemas.openxmlformats.org/drawingml/2006/main">
+            <a:r>
               <a:rPr lang="en" sz="2000" dirty="0"/>
               <a:t>located in the </a:t>
             </a:r>
-            <a:r xmlns:a="http://schemas.openxmlformats.org/drawingml/2006/main">
+            <a:r>
               <a:rPr lang="en" sz="2000" b="1" dirty="0" err="1"/>
               <a:t>resources </a:t>
             </a:r>
-            <a:r xmlns:a="http://schemas.openxmlformats.org/drawingml/2006/main">
+            <a:r>
               <a:rPr lang="en" sz="2000" b="1" dirty="0"/>
               <a:t>\Multiple Files\Files folder</a:t>
             </a:r>
-            <a:endParaRPr xmlns:a="http://schemas.openxmlformats.org/drawingml/2006/main" lang="en-US" sz="2000" b="1" dirty="0"/>
+            <a:endParaRPr lang="en-US" sz="2000" b="1" dirty="0"/>
           </a:p>
         </p:txBody>
       </p:sp>
@@ -3688,19 +3688,19 @@
           </a:bodyPr>
           <a:lstStyle/>
           <a:p>
-            <a:r xmlns:a="http://schemas.openxmlformats.org/drawingml/2006/main">
+            <a:r>
               <a:rPr lang="en" sz="2000" dirty="0"/>
               <a:t>Search for the files </a:t>
             </a:r>
-            <a:r xmlns:a="http://schemas.openxmlformats.org/drawingml/2006/main">
+            <a:r>
               <a:rPr lang="en" sz="2000" b="1" dirty="0"/>
               <a:t>File1.txt and File2.txt </a:t>
             </a:r>
-            <a:r xmlns:a="http://schemas.openxmlformats.org/drawingml/2006/main">
+            <a:r>
               <a:rPr lang="en" sz="2000" dirty="0"/>
               <a:t>in the query editor.</a:t>
             </a:r>
-            <a:endParaRPr xmlns:a="http://schemas.openxmlformats.org/drawingml/2006/main" lang="en-US" sz="2000" dirty="0"/>
+            <a:endParaRPr lang="en-US" sz="2000" dirty="0"/>
           </a:p>
         </p:txBody>
       </p:sp>
@@ -3725,11 +3725,11 @@
           </a:bodyPr>
           <a:lstStyle/>
           <a:p>
-            <a:r xmlns:a="http://schemas.openxmlformats.org/drawingml/2006/main">
+            <a:r>
               <a:rPr lang="en" sz="2000" dirty="0"/>
               <a:t>Check if both files have the same data structure.</a:t>
             </a:r>
-            <a:endParaRPr xmlns:a="http://schemas.openxmlformats.org/drawingml/2006/main" lang="en-US" sz="2000" dirty="0"/>
+            <a:endParaRPr lang="en-US" sz="2000" dirty="0"/>
           </a:p>
         </p:txBody>
       </p:sp>
@@ -3754,11 +3754,11 @@
           </a:bodyPr>
           <a:lstStyle/>
           <a:p>
-            <a:r xmlns:a="http://schemas.openxmlformats.org/drawingml/2006/main">
+            <a:r>
               <a:rPr lang="en" sz="2000" dirty="0"/>
               <a:t>Notice that there is one line in common between the two files.</a:t>
             </a:r>
-            <a:endParaRPr xmlns:a="http://schemas.openxmlformats.org/drawingml/2006/main" lang="en-US" sz="2000" dirty="0"/>
+            <a:endParaRPr lang="en-US" sz="2000" dirty="0"/>
           </a:p>
         </p:txBody>
       </p:sp>
@@ -3837,7 +3837,7 @@
           </a:bodyPr>
           <a:lstStyle/>
           <a:p>
-            <a:r xmlns:a="http://schemas.openxmlformats.org/drawingml/2006/main">
+            <a:r>
               <a:rPr lang="en" b="1" kern="0" dirty="0" smtClean="0">
                 <a:latin typeface="Segoe UI" panose="020B0502040204020203" pitchFamily="34" charset="0"/>
                 <a:ea typeface="Times New Roman" panose="02020603050405020304" pitchFamily="18" charset="0"/>
@@ -3845,7 +3845,7 @@
               </a:rPr>
               <a:t>Merge vs Append</a:t>
             </a:r>
-            <a:endParaRPr xmlns:a="http://schemas.openxmlformats.org/drawingml/2006/main" lang="en-US" dirty="0"/>
+            <a:endParaRPr lang="en-US" dirty="0"/>
           </a:p>
         </p:txBody>
       </p:sp>
@@ -4014,35 +4014,35 @@
           </a:bodyPr>
           <a:lstStyle/>
           <a:p>
-            <a:r xmlns:a="http://schemas.openxmlformats.org/drawingml/2006/main">
+            <a:r>
               <a:rPr lang="en" sz="2000" b="1" dirty="0"/>
               <a:t>Select "Merge queries as new" </a:t>
             </a:r>
-            <a:r xmlns:a="http://schemas.openxmlformats.org/drawingml/2006/main">
+            <a:r>
               <a:rPr lang="en" sz="2000" dirty="0"/>
               <a:t>from the </a:t>
             </a:r>
-            <a:r xmlns:a="http://schemas.openxmlformats.org/drawingml/2006/main">
+            <a:r>
               <a:rPr lang="en" sz="2000" b="1" dirty="0" smtClean="0"/>
               <a:t>Combine option </a:t>
             </a:r>
-            <a:r xmlns:a="http://schemas.openxmlformats.org/drawingml/2006/main">
+            <a:r>
               <a:rPr lang="en" sz="2000" dirty="0" smtClean="0"/>
               <a:t>in the </a:t>
             </a:r>
-            <a:r xmlns:a="http://schemas.openxmlformats.org/drawingml/2006/main">
+            <a:r>
               <a:rPr lang="en" sz="2000" b="1" dirty="0" smtClean="0"/>
               <a:t>Home </a:t>
             </a:r>
-            <a:r xmlns:a="http://schemas.openxmlformats.org/drawingml/2006/main">
+            <a:r>
               <a:rPr lang="en" sz="2000" dirty="0"/>
               <a:t>tab </a:t>
             </a:r>
-            <a:r xmlns:a="http://schemas.openxmlformats.org/drawingml/2006/main">
+            <a:r>
               <a:rPr lang="en" sz="2000" dirty="0" smtClean="0"/>
               <a:t>.</a:t>
             </a:r>
-            <a:endParaRPr xmlns:a="http://schemas.openxmlformats.org/drawingml/2006/main" lang="en-US" sz="2000" dirty="0"/>
+            <a:endParaRPr lang="en-US" sz="2000" dirty="0"/>
           </a:p>
         </p:txBody>
       </p:sp>
@@ -4121,7 +4121,7 @@
           </a:bodyPr>
           <a:lstStyle/>
           <a:p>
-            <a:r xmlns:a="http://schemas.openxmlformats.org/drawingml/2006/main">
+            <a:r>
               <a:rPr lang="en" b="1" kern="0" dirty="0" smtClean="0">
                 <a:latin typeface="Segoe UI" panose="020B0502040204020203" pitchFamily="34" charset="0"/>
                 <a:ea typeface="Times New Roman" panose="02020603050405020304" pitchFamily="18" charset="0"/>
@@ -4129,7 +4129,7 @@
               </a:rPr>
               <a:t>Merge vs Append</a:t>
             </a:r>
-            <a:endParaRPr xmlns:a="http://schemas.openxmlformats.org/drawingml/2006/main" lang="en-US" dirty="0"/>
+            <a:endParaRPr lang="en-US" dirty="0"/>
           </a:p>
         </p:txBody>
       </p:sp>
@@ -4292,11 +4292,11 @@
           </a:bodyPr>
           <a:lstStyle/>
           <a:p>
-            <a:r xmlns:a="http://schemas.openxmlformats.org/drawingml/2006/main">
+            <a:r>
               <a:rPr lang="en" sz="2000" dirty="0"/>
               <a:t>Select the ID columns of both files and notice that the OK button becomes active.</a:t>
             </a:r>
-            <a:endParaRPr xmlns:a="http://schemas.openxmlformats.org/drawingml/2006/main" lang="en-US" sz="2000" dirty="0"/>
+            <a:endParaRPr lang="en-US" sz="2000" dirty="0"/>
           </a:p>
         </p:txBody>
       </p:sp>
@@ -4351,7 +4351,7 @@
           </a:bodyPr>
           <a:lstStyle/>
           <a:p>
-            <a:r xmlns:a="http://schemas.openxmlformats.org/drawingml/2006/main">
+            <a:r>
               <a:rPr lang="en" b="1" kern="0" dirty="0" smtClean="0">
                 <a:latin typeface="Segoe UI" panose="020B0502040204020203" pitchFamily="34" charset="0"/>
                 <a:ea typeface="Times New Roman" panose="02020603050405020304" pitchFamily="18" charset="0"/>
@@ -4359,7 +4359,7 @@
               </a:rPr>
               <a:t>Merge vs Append</a:t>
             </a:r>
-            <a:endParaRPr xmlns:a="http://schemas.openxmlformats.org/drawingml/2006/main" lang="en-US" dirty="0"/>
+            <a:endParaRPr lang="en-US" dirty="0"/>
           </a:p>
         </p:txBody>
       </p:sp>
@@ -4423,19 +4423,19 @@
           </a:bodyPr>
           <a:lstStyle/>
           <a:p>
-            <a:r xmlns:a="http://schemas.openxmlformats.org/drawingml/2006/main">
+            <a:r>
               <a:rPr lang="en" sz="2000" dirty="0"/>
               <a:t>Repeat the same exercise with </a:t>
             </a:r>
-            <a:r xmlns:a="http://schemas.openxmlformats.org/drawingml/2006/main">
+            <a:r>
               <a:rPr lang="en" sz="2000" b="1" dirty="0"/>
               <a:t>"Append as New" </a:t>
             </a:r>
-            <a:r xmlns:a="http://schemas.openxmlformats.org/drawingml/2006/main">
+            <a:r>
               <a:rPr lang="en" sz="2000" dirty="0"/>
               <a:t>and observe the difference in the result.</a:t>
             </a:r>
-            <a:endParaRPr xmlns:a="http://schemas.openxmlformats.org/drawingml/2006/main" lang="en-US" sz="2000" dirty="0"/>
+            <a:endParaRPr lang="en-US" sz="2000" dirty="0"/>
           </a:p>
         </p:txBody>
       </p:sp>
@@ -4460,11 +4460,11 @@
           </a:bodyPr>
           <a:lstStyle/>
           <a:p>
-            <a:r xmlns:a="http://schemas.openxmlformats.org/drawingml/2006/main">
+            <a:r>
               <a:rPr lang="en" sz="2000" dirty="0"/>
               <a:t>Note that the similarity degree ranges from 0 to 1, with a default value of 0.8.</a:t>
             </a:r>
-            <a:endParaRPr xmlns:a="http://schemas.openxmlformats.org/drawingml/2006/main" lang="en-US" sz="2000" dirty="0"/>
+            <a:endParaRPr lang="en-US" sz="2000" dirty="0"/>
           </a:p>
         </p:txBody>
       </p:sp>
@@ -4489,35 +4489,35 @@
           </a:bodyPr>
           <a:lstStyle/>
           <a:p>
-            <a:r xmlns:a="http://schemas.openxmlformats.org/drawingml/2006/main">
+            <a:r>
               <a:rPr lang="en" sz="2000" dirty="0"/>
               <a:t>Observe the fuzzy matching option </a:t>
             </a:r>
-            <a:r xmlns:a="http://schemas.openxmlformats.org/drawingml/2006/main">
+            <a:r>
               <a:rPr lang="en" sz="2000" b="1" dirty="0"/>
               <a:t>( </a:t>
             </a:r>
-            <a:r xmlns:a="http://schemas.openxmlformats.org/drawingml/2006/main">
+            <a:r>
               <a:rPr lang="en" sz="2000" b="1" dirty="0" err="1"/>
               <a:t>Fuzzy</a:t>
             </a:r>
-            <a:r xmlns:a="http://schemas.openxmlformats.org/drawingml/2006/main">
+            <a:r>
               <a:rPr lang="en" sz="2000" b="1" dirty="0"/>
               <a:t> </a:t>
             </a:r>
-            <a:r xmlns:a="http://schemas.openxmlformats.org/drawingml/2006/main">
+            <a:r>
               <a:rPr lang="en" sz="2000" b="1" dirty="0" err="1"/>
               <a:t>Matching </a:t>
             </a:r>
-            <a:r xmlns:a="http://schemas.openxmlformats.org/drawingml/2006/main">
+            <a:r>
               <a:rPr lang="en" sz="2000" b="1" dirty="0"/>
               <a:t>) </a:t>
             </a:r>
-            <a:r xmlns:a="http://schemas.openxmlformats.org/drawingml/2006/main">
+            <a:r>
               <a:rPr lang="en" sz="2000" dirty="0"/>
               <a:t>, used when the common values are not strictly identical but similar.</a:t>
             </a:r>
-            <a:endParaRPr xmlns:a="http://schemas.openxmlformats.org/drawingml/2006/main" lang="en-US" sz="2000" dirty="0"/>
+            <a:endParaRPr lang="en-US" sz="2000" dirty="0"/>
           </a:p>
         </p:txBody>
       </p:sp>
@@ -4542,11 +4542,11 @@
           </a:bodyPr>
           <a:lstStyle/>
           <a:p>
-            <a:r xmlns:a="http://schemas.openxmlformats.org/drawingml/2006/main">
+            <a:r>
               <a:rPr lang="en" sz="2000" dirty="0"/>
               <a:t>Test this example with all possible join types.</a:t>
             </a:r>
-            <a:endParaRPr xmlns:a="http://schemas.openxmlformats.org/drawingml/2006/main" lang="en-US" sz="2000" dirty="0"/>
+            <a:endParaRPr lang="en-US" sz="2000" dirty="0"/>
           </a:p>
         </p:txBody>
       </p:sp>
@@ -4601,7 +4601,7 @@
           </a:bodyPr>
           <a:lstStyle/>
           <a:p>
-            <a:r xmlns:a="http://schemas.openxmlformats.org/drawingml/2006/main">
+            <a:r>
               <a:rPr lang="en" b="1" kern="0" dirty="0" smtClean="0">
                 <a:latin typeface="Segoe UI" panose="020B0502040204020203" pitchFamily="34" charset="0"/>
                 <a:ea typeface="Times New Roman" panose="02020603050405020304" pitchFamily="18" charset="0"/>
@@ -4609,7 +4609,7 @@
               </a:rPr>
               <a:t>Merge vs Append</a:t>
             </a:r>
-            <a:endParaRPr xmlns:a="http://schemas.openxmlformats.org/drawingml/2006/main" lang="en-US" dirty="0"/>
+            <a:endParaRPr lang="en-US" dirty="0"/>
           </a:p>
         </p:txBody>
       </p:sp>
@@ -4634,11 +4634,11 @@
           </a:bodyPr>
           <a:lstStyle/>
           <a:p>
-            <a:r xmlns:a="http://schemas.openxmlformats.org/drawingml/2006/main">
+            <a:r>
               <a:rPr lang="en" sz="2000" dirty="0" smtClean="0"/>
               <a:t>Redo the exercise with append as an option this time.</a:t>
             </a:r>
-            <a:endParaRPr xmlns:a="http://schemas.openxmlformats.org/drawingml/2006/main" lang="en-US" sz="2000" dirty="0"/>
+            <a:endParaRPr lang="en-US" sz="2000" dirty="0"/>
           </a:p>
         </p:txBody>
       </p:sp>
@@ -4795,8 +4795,8 @@
         </p:nvSpPr>
         <p:spPr>
           <a:xfrm>
-            <a:off x="4084981" y="2485566"/>
-            <a:ext cx="3456395" cy="1569660"/>
+            <a:off x="2819947" y="2272435"/>
+            <a:ext cx="6230360" cy="1569660"/>
           </a:xfrm>
           <a:prstGeom prst="rect">
             <a:avLst/>
@@ -4809,8 +4809,8 @@
           </a:bodyPr>
           <a:lstStyle/>
           <a:p>
-            <a:r xmlns:a="http://schemas.openxmlformats.org/drawingml/2006/main">
-              <a:rPr lang="en" sz="9600" b="1" dirty="0" smtClean="0">
+            <a:r>
+              <a:rPr lang="en-US" sz="9600" b="1" dirty="0" smtClean="0">
                 <a:solidFill>
                   <a:srgbClr val="7030A0"/>
                 </a:solidFill>
@@ -4818,9 +4818,9 @@
                 <a:ea typeface="Verdana" panose="020B0604030504040204" pitchFamily="34" charset="0"/>
                 <a:cs typeface="Segoe UI" panose="020B0502040204020203" pitchFamily="34" charset="0"/>
               </a:rPr>
-              <a:t>THANKS</a:t>
-            </a:r>
-            <a:endParaRPr xmlns:a="http://schemas.openxmlformats.org/drawingml/2006/main" lang="en-US" sz="9600" b="1" dirty="0">
+              <a:t>Thank you</a:t>
+            </a:r>
+            <a:endParaRPr lang="en-US" sz="9600" b="1" dirty="0">
               <a:solidFill>
                 <a:srgbClr val="7030A0"/>
               </a:solidFill>
@@ -4839,8 +4839,8 @@
         </p:nvSpPr>
         <p:spPr>
           <a:xfrm>
-            <a:off x="4014739" y="2410365"/>
-            <a:ext cx="3456395" cy="1569660"/>
+            <a:off x="2749705" y="2197234"/>
+            <a:ext cx="6230360" cy="1569660"/>
           </a:xfrm>
           <a:prstGeom prst="rect">
             <a:avLst/>
@@ -4853,8 +4853,8 @@
           </a:bodyPr>
           <a:lstStyle/>
           <a:p>
-            <a:r xmlns:a="http://schemas.openxmlformats.org/drawingml/2006/main">
-              <a:rPr lang="en" sz="9600" b="1" dirty="0" smtClean="0">
+            <a:r>
+              <a:rPr lang="en-US" sz="9600" b="1" dirty="0" smtClean="0">
                 <a:solidFill>
                   <a:schemeClr val="bg1"/>
                 </a:solidFill>
@@ -4862,9 +4862,9 @@
                 <a:ea typeface="Verdana" panose="020B0604030504040204" pitchFamily="34" charset="0"/>
                 <a:cs typeface="Segoe UI" panose="020B0502040204020203" pitchFamily="34" charset="0"/>
               </a:rPr>
-              <a:t>THANKS</a:t>
-            </a:r>
-            <a:endParaRPr xmlns:a="http://schemas.openxmlformats.org/drawingml/2006/main" lang="en-US" sz="9600" b="1" dirty="0">
+              <a:t>Thank you</a:t>
+            </a:r>
+            <a:endParaRPr lang="en-US" sz="9600" b="1" dirty="0">
               <a:solidFill>
                 <a:schemeClr val="bg1"/>
               </a:solidFill>
